--- a/Vizsga.pptx
+++ b/Vizsga.pptx
@@ -6,12 +6,12 @@
   </p:sldMasterIdLst>
   <p:sldIdLst>
     <p:sldId id="256" r:id="rId2"/>
-    <p:sldId id="257" r:id="rId3"/>
-    <p:sldId id="258" r:id="rId4"/>
+    <p:sldId id="258" r:id="rId3"/>
+    <p:sldId id="257" r:id="rId4"/>
     <p:sldId id="259" r:id="rId5"/>
     <p:sldId id="260" r:id="rId6"/>
-    <p:sldId id="261" r:id="rId7"/>
-    <p:sldId id="262" r:id="rId8"/>
+    <p:sldId id="262" r:id="rId7"/>
+    <p:sldId id="261" r:id="rId8"/>
     <p:sldId id="263" r:id="rId9"/>
     <p:sldId id="264" r:id="rId10"/>
     <p:sldId id="265" r:id="rId11"/>
@@ -115,6 +115,11 @@
       </a:defRPr>
     </a:lvl9pPr>
   </p:defaultTextStyle>
+  <p:extLst>
+    <p:ext uri="{EFAFB233-063F-42B5-8137-9DF3F51BA10A}">
+      <p15:sldGuideLst xmlns:p15="http://schemas.microsoft.com/office/powerpoint/2012/main"/>
+    </p:ext>
+  </p:extLst>
 </p:presentation>
 </file>
 
@@ -4550,10 +4555,10 @@
           <a:lstStyle/>
           <a:p>
             <a:r>
-              <a:rPr lang="hu-HU" dirty="0" err="1"/>
+              <a:rPr lang="hu-HU" b="1" i="1" dirty="0" err="1"/>
               <a:t>GreenDynasty</a:t>
             </a:r>
-            <a:endParaRPr lang="hu-HU" dirty="0"/>
+            <a:endParaRPr lang="hu-HU" b="1" i="1" dirty="0"/>
           </a:p>
         </p:txBody>
       </p:sp>
@@ -4581,6 +4586,40 @@
             <a:r>
               <a:rPr lang="hu-HU" dirty="0"/>
               <a:t>Készítette: Taics Márton, Pálos Levente Géza, Macsári László Márk</a:t>
+            </a:r>
+          </a:p>
+        </p:txBody>
+      </p:sp>
+      <p:sp>
+        <p:nvSpPr>
+          <p:cNvPr id="4" name="Téglalap 3">
+            <a:extLst>
+              <a:ext uri="{FF2B5EF4-FFF2-40B4-BE49-F238E27FC236}">
+                <a16:creationId xmlns:a16="http://schemas.microsoft.com/office/drawing/2014/main" id="{4B095EC6-0F36-4750-8A28-D26C551A6E8A}"/>
+              </a:ext>
+            </a:extLst>
+          </p:cNvPr>
+          <p:cNvSpPr/>
+          <p:nvPr/>
+        </p:nvSpPr>
+        <p:spPr>
+          <a:xfrm>
+            <a:off x="3383902" y="4193946"/>
+            <a:ext cx="4332514" cy="369332"/>
+          </a:xfrm>
+          <a:prstGeom prst="rect">
+            <a:avLst/>
+          </a:prstGeom>
+        </p:spPr>
+        <p:txBody>
+          <a:bodyPr wrap="square">
+            <a:spAutoFit/>
+          </a:bodyPr>
+          <a:lstStyle/>
+          <a:p>
+            <a:r>
+              <a:rPr lang="hu-HU" dirty="0"/>
+              <a:t>Egy Boston Celtics Fan oldal</a:t>
             </a:r>
           </a:p>
         </p:txBody>
@@ -4793,17 +4832,19 @@
         </p:nvSpPr>
         <p:spPr>
           <a:xfrm>
-            <a:off x="838200" y="2436521"/>
-            <a:ext cx="10515600" cy="1325563"/>
-          </a:xfrm>
-        </p:spPr>
-        <p:txBody>
-          <a:bodyPr/>
+            <a:off x="-186613" y="2766218"/>
+            <a:ext cx="10271449" cy="1325563"/>
+          </a:xfrm>
+        </p:spPr>
+        <p:txBody>
+          <a:bodyPr>
+            <a:normAutofit/>
+          </a:bodyPr>
           <a:lstStyle/>
           <a:p>
             <a:pPr algn="just"/>
             <a:r>
-              <a:rPr lang="hu-HU" dirty="0"/>
+              <a:rPr lang="hu-HU" sz="5000" b="1" dirty="0"/>
               <a:t>			Köszönjük a figyelmet!</a:t>
             </a:r>
           </a:p>
@@ -4844,7 +4885,7 @@
           <p:cNvPr id="2" name="Cím 1">
             <a:extLst>
               <a:ext uri="{FF2B5EF4-FFF2-40B4-BE49-F238E27FC236}">
-                <a16:creationId xmlns:a16="http://schemas.microsoft.com/office/drawing/2014/main" id="{01C63E44-6F9D-4F5E-9971-856D055A2BAE}"/>
+                <a16:creationId xmlns:a16="http://schemas.microsoft.com/office/drawing/2014/main" id="{0F25FD26-3B96-4901-8686-2B37303DC63E}"/>
               </a:ext>
             </a:extLst>
           </p:cNvPr>
@@ -4855,27 +4896,14 @@
             <p:ph type="title"/>
           </p:nvPr>
         </p:nvSpPr>
-        <p:spPr>
-          <a:xfrm>
-            <a:off x="1971241" y="1282452"/>
-            <a:ext cx="3970986" cy="1900473"/>
-          </a:xfrm>
-        </p:spPr>
-        <p:txBody>
-          <a:bodyPr/>
-          <a:lstStyle/>
-          <a:p>
-            <a:r>
-              <a:rPr lang="en-US" dirty="0" err="1"/>
-              <a:t>Oldal</a:t>
-            </a:r>
-            <a:r>
-              <a:rPr lang="en-US" dirty="0"/>
-              <a:t> le</a:t>
-            </a:r>
-            <a:r>
-              <a:rPr lang="hu-HU" dirty="0"/>
-              <a:t>írása és a funkciók elérése</a:t>
+        <p:spPr/>
+        <p:txBody>
+          <a:bodyPr/>
+          <a:lstStyle/>
+          <a:p>
+            <a:r>
+              <a:rPr lang="hu-HU" b="1" u="sng" dirty="0"/>
+              <a:t>Miben segít a mi oldalunk?</a:t>
             </a:r>
           </a:p>
         </p:txBody>
@@ -4885,7 +4913,7 @@
           <p:cNvPr id="3" name="Tartalom helye 2">
             <a:extLst>
               <a:ext uri="{FF2B5EF4-FFF2-40B4-BE49-F238E27FC236}">
-                <a16:creationId xmlns:a16="http://schemas.microsoft.com/office/drawing/2014/main" id="{E3FEE288-E6B4-4787-8244-DAED6B566AB3}"/>
+                <a16:creationId xmlns:a16="http://schemas.microsoft.com/office/drawing/2014/main" id="{C86FFA2C-62F0-4878-910B-E097C0698737}"/>
               </a:ext>
             </a:extLst>
           </p:cNvPr>
@@ -4893,80 +4921,64 @@
             <a:spLocks noGrp="1"/>
           </p:cNvSpPr>
           <p:nvPr>
-            <p:ph type="body" sz="half" idx="2"/>
+            <p:ph idx="1"/>
           </p:nvPr>
         </p:nvSpPr>
         <p:spPr/>
         <p:txBody>
           <a:bodyPr>
-            <a:normAutofit/>
+            <a:normAutofit lnSpcReduction="10000"/>
           </a:bodyPr>
           <a:lstStyle/>
           <a:p>
             <a:r>
+              <a:rPr lang="hu-HU" b="1" dirty="0"/>
+              <a:t>Közösségépítés:</a:t>
+            </a:r>
+            <a:r>
               <a:rPr lang="hu-HU" dirty="0"/>
-              <a:t>Egy Boston </a:t>
-            </a:r>
-            <a:r>
-              <a:rPr lang="hu-HU" dirty="0" err="1"/>
-              <a:t>Celtics</a:t>
+              <a:t> Összehozza a szurkolókat, erősíti a közösségi érzést és kapcsolatépítési lehetőséget teremt.</a:t>
+            </a:r>
+          </a:p>
+          <a:p>
+            <a:r>
+              <a:rPr lang="hu-HU" b="1" dirty="0"/>
+              <a:t>Kommunikáció:</a:t>
             </a:r>
             <a:r>
               <a:rPr lang="hu-HU" dirty="0"/>
-              <a:t> NBA fan oldal</a:t>
-            </a:r>
-          </a:p>
-          <a:p>
+              <a:t> Lehetővé teszi a szurkolók számára, hogy véleményeket cseréljenek a csapatról.</a:t>
+            </a:r>
+          </a:p>
+          <a:p>
+            <a:r>
+              <a:rPr lang="hu-HU" b="1" dirty="0"/>
+              <a:t>Részletes információk</a:t>
+            </a:r>
             <a:r>
               <a:rPr lang="hu-HU" dirty="0"/>
-              <a:t>Az oldal legtöbb funkciói csak regisztráció után érhető el</a:t>
+              <a:t>: A dátumok, időpontok, helyszínek és ellenfelek megadása lehetővé teszi, hogy eldöntsék melyik meccsre van idejük megnézni vagy érdekli őket.</a:t>
+            </a:r>
+          </a:p>
+          <a:p>
+            <a:r>
+              <a:rPr lang="hu-HU" b="1" dirty="0"/>
+              <a:t>Ismerkedés a játékosokkal</a:t>
+            </a:r>
+            <a:r>
+              <a:rPr lang="hu-HU" dirty="0"/>
+              <a:t>: Az oldal lehetőséget teremt arra, hogy a szurkolók jobban megismerjék a csapat tagjait.</a:t>
             </a:r>
           </a:p>
           <a:p>
             <a:endParaRPr lang="hu-HU" dirty="0"/>
           </a:p>
-          <a:p>
-            <a:endParaRPr lang="hu-HU" dirty="0"/>
-          </a:p>
-          <a:p>
-            <a:endParaRPr lang="hu-HU" dirty="0"/>
-          </a:p>
-        </p:txBody>
-      </p:sp>
-      <p:pic>
-        <p:nvPicPr>
-          <p:cNvPr id="9" name="Kép 8">
-            <a:extLst>
-              <a:ext uri="{FF2B5EF4-FFF2-40B4-BE49-F238E27FC236}">
-                <a16:creationId xmlns:a16="http://schemas.microsoft.com/office/drawing/2014/main" id="{D9D2BF41-26DB-44D3-AD91-80A10D422153}"/>
-              </a:ext>
-            </a:extLst>
-          </p:cNvPr>
-          <p:cNvPicPr>
-            <a:picLocks noChangeAspect="1"/>
-          </p:cNvPicPr>
-          <p:nvPr/>
-        </p:nvPicPr>
-        <p:blipFill>
-          <a:blip r:embed="rId2"/>
-          <a:stretch>
-            <a:fillRect/>
-          </a:stretch>
-        </p:blipFill>
-        <p:spPr>
-          <a:xfrm>
-            <a:off x="6932226" y="0"/>
-            <a:ext cx="4519052" cy="6858000"/>
-          </a:xfrm>
-          <a:prstGeom prst="rect">
-            <a:avLst/>
-          </a:prstGeom>
-        </p:spPr>
-      </p:pic>
+        </p:txBody>
+      </p:sp>
     </p:spTree>
     <p:extLst>
       <p:ext uri="{BB962C8B-B14F-4D97-AF65-F5344CB8AC3E}">
-        <p14:creationId xmlns:p14="http://schemas.microsoft.com/office/powerpoint/2010/main" val="412841326"/>
+        <p14:creationId xmlns:p14="http://schemas.microsoft.com/office/powerpoint/2010/main" val="1969664851"/>
       </p:ext>
     </p:extLst>
   </p:cSld>
@@ -4998,7 +5010,7 @@
           <p:cNvPr id="2" name="Cím 1">
             <a:extLst>
               <a:ext uri="{FF2B5EF4-FFF2-40B4-BE49-F238E27FC236}">
-                <a16:creationId xmlns:a16="http://schemas.microsoft.com/office/drawing/2014/main" id="{0F25FD26-3B96-4901-8686-2B37303DC63E}"/>
+                <a16:creationId xmlns:a16="http://schemas.microsoft.com/office/drawing/2014/main" id="{01C63E44-6F9D-4F5E-9971-856D055A2BAE}"/>
               </a:ext>
             </a:extLst>
           </p:cNvPr>
@@ -5009,12 +5021,28 @@
             <p:ph type="title"/>
           </p:nvPr>
         </p:nvSpPr>
-        <p:spPr/>
-        <p:txBody>
-          <a:bodyPr/>
-          <a:lstStyle/>
-          <a:p>
-            <a:endParaRPr lang="hu-HU"/>
+        <p:spPr>
+          <a:xfrm>
+            <a:off x="1970322" y="475861"/>
+            <a:ext cx="3970986" cy="1116701"/>
+          </a:xfrm>
+        </p:spPr>
+        <p:txBody>
+          <a:bodyPr/>
+          <a:lstStyle/>
+          <a:p>
+            <a:r>
+              <a:rPr lang="hu-HU" b="1" u="sng" dirty="0"/>
+              <a:t>Oldal</a:t>
+            </a:r>
+            <a:r>
+              <a:rPr lang="en-US" b="1" u="sng" dirty="0"/>
+              <a:t> le</a:t>
+            </a:r>
+            <a:r>
+              <a:rPr lang="hu-HU" b="1" u="sng" dirty="0"/>
+              <a:t>írása és a funkciók elérése</a:t>
+            </a:r>
           </a:p>
         </p:txBody>
       </p:sp>
@@ -5023,7 +5051,7 @@
           <p:cNvPr id="3" name="Tartalom helye 2">
             <a:extLst>
               <a:ext uri="{FF2B5EF4-FFF2-40B4-BE49-F238E27FC236}">
-                <a16:creationId xmlns:a16="http://schemas.microsoft.com/office/drawing/2014/main" id="{C86FFA2C-62F0-4878-910B-E097C0698737}"/>
+                <a16:creationId xmlns:a16="http://schemas.microsoft.com/office/drawing/2014/main" id="{E3FEE288-E6B4-4787-8244-DAED6B566AB3}"/>
               </a:ext>
             </a:extLst>
           </p:cNvPr>
@@ -5031,22 +5059,89 @@
             <a:spLocks noGrp="1"/>
           </p:cNvSpPr>
           <p:nvPr>
-            <p:ph idx="1"/>
-          </p:nvPr>
-        </p:nvSpPr>
-        <p:spPr/>
-        <p:txBody>
-          <a:bodyPr/>
-          <a:lstStyle/>
-          <a:p>
-            <a:endParaRPr lang="hu-HU"/>
-          </a:p>
-        </p:txBody>
-      </p:sp>
+            <p:ph type="body" sz="half" idx="2"/>
+          </p:nvPr>
+        </p:nvSpPr>
+        <p:spPr>
+          <a:xfrm>
+            <a:off x="1970322" y="2012440"/>
+            <a:ext cx="4775712" cy="4369699"/>
+          </a:xfrm>
+        </p:spPr>
+        <p:txBody>
+          <a:bodyPr>
+            <a:normAutofit fontScale="92500" lnSpcReduction="10000"/>
+          </a:bodyPr>
+          <a:lstStyle/>
+          <a:p>
+            <a:r>
+              <a:rPr lang="hu-HU" dirty="0"/>
+              <a:t>Egy Boston Celtics NBA fan oldal, ami olyan lehetőséget ad a felhasználónak hogy, megismerje a csapatot. </a:t>
+            </a:r>
+          </a:p>
+          <a:p>
+            <a:r>
+              <a:rPr lang="hu-HU" dirty="0"/>
+              <a:t>Azon belül is a történelmének fontos szakaszait, játékosait, és jövőbeli eseményeit.</a:t>
+            </a:r>
+          </a:p>
+          <a:p>
+            <a:r>
+              <a:rPr lang="hu-HU" dirty="0"/>
+              <a:t>Az oldal legtöbb funkciói csak regisztráció után érhető el.</a:t>
+            </a:r>
+          </a:p>
+          <a:p>
+            <a:r>
+              <a:rPr lang="hu-HU" dirty="0"/>
+              <a:t>A regisztráció csak akkor érvényes ha a felhasználó megcsinálja az általunk létrehozott kvízt, és elér legalább 7 pontot.</a:t>
+            </a:r>
+          </a:p>
+          <a:p>
+            <a:endParaRPr lang="hu-HU" dirty="0"/>
+          </a:p>
+          <a:p>
+            <a:endParaRPr lang="hu-HU" dirty="0"/>
+          </a:p>
+          <a:p>
+            <a:endParaRPr lang="hu-HU" dirty="0"/>
+          </a:p>
+        </p:txBody>
+      </p:sp>
+      <p:pic>
+        <p:nvPicPr>
+          <p:cNvPr id="9" name="Kép 8">
+            <a:extLst>
+              <a:ext uri="{FF2B5EF4-FFF2-40B4-BE49-F238E27FC236}">
+                <a16:creationId xmlns:a16="http://schemas.microsoft.com/office/drawing/2014/main" id="{D9D2BF41-26DB-44D3-AD91-80A10D422153}"/>
+              </a:ext>
+            </a:extLst>
+          </p:cNvPr>
+          <p:cNvPicPr>
+            <a:picLocks noChangeAspect="1"/>
+          </p:cNvPicPr>
+          <p:nvPr/>
+        </p:nvPicPr>
+        <p:blipFill>
+          <a:blip r:embed="rId2"/>
+          <a:stretch>
+            <a:fillRect/>
+          </a:stretch>
+        </p:blipFill>
+        <p:spPr>
+          <a:xfrm>
+            <a:off x="6746034" y="475861"/>
+            <a:ext cx="4488443" cy="5906278"/>
+          </a:xfrm>
+          <a:prstGeom prst="rect">
+            <a:avLst/>
+          </a:prstGeom>
+        </p:spPr>
+      </p:pic>
     </p:spTree>
     <p:extLst>
       <p:ext uri="{BB962C8B-B14F-4D97-AF65-F5344CB8AC3E}">
-        <p14:creationId xmlns:p14="http://schemas.microsoft.com/office/powerpoint/2010/main" val="1969664851"/>
+        <p14:creationId xmlns:p14="http://schemas.microsoft.com/office/powerpoint/2010/main" val="412841326"/>
       </p:ext>
     </p:extLst>
   </p:cSld>
@@ -5089,40 +5184,55 @@
             <p:ph type="title"/>
           </p:nvPr>
         </p:nvSpPr>
-        <p:spPr/>
-        <p:txBody>
-          <a:bodyPr/>
-          <a:lstStyle/>
-          <a:p>
-            <a:endParaRPr lang="hu-HU"/>
-          </a:p>
-        </p:txBody>
-      </p:sp>
-      <p:sp>
-        <p:nvSpPr>
-          <p:cNvPr id="5" name="Tartalom helye 4">
+        <p:spPr>
+          <a:xfrm>
+            <a:off x="1063689" y="419876"/>
+            <a:ext cx="2664361" cy="573121"/>
+          </a:xfrm>
+        </p:spPr>
+        <p:txBody>
+          <a:bodyPr/>
+          <a:lstStyle/>
+          <a:p>
+            <a:r>
+              <a:rPr lang="hu-HU" b="1" u="sng" dirty="0"/>
+              <a:t>Főoldal</a:t>
+            </a:r>
+          </a:p>
+        </p:txBody>
+      </p:sp>
+      <p:pic>
+        <p:nvPicPr>
+          <p:cNvPr id="2" name="Tartalom helye 1">
             <a:extLst>
               <a:ext uri="{FF2B5EF4-FFF2-40B4-BE49-F238E27FC236}">
-                <a16:creationId xmlns:a16="http://schemas.microsoft.com/office/drawing/2014/main" id="{4624A910-F0D0-41FA-9D4F-F4595867EA06}"/>
+                <a16:creationId xmlns:a16="http://schemas.microsoft.com/office/drawing/2014/main" id="{E42BBA6C-545F-4BAA-B763-8BCB117ECB1C}"/>
               </a:ext>
             </a:extLst>
           </p:cNvPr>
-          <p:cNvSpPr>
-            <a:spLocks noGrp="1"/>
-          </p:cNvSpPr>
+          <p:cNvPicPr>
+            <a:picLocks noGrp="1" noChangeAspect="1"/>
+          </p:cNvPicPr>
           <p:nvPr>
             <p:ph idx="1"/>
           </p:nvPr>
-        </p:nvSpPr>
-        <p:spPr/>
-        <p:txBody>
-          <a:bodyPr/>
-          <a:lstStyle/>
-          <a:p>
-            <a:endParaRPr lang="hu-HU"/>
-          </a:p>
-        </p:txBody>
-      </p:sp>
+        </p:nvPicPr>
+        <p:blipFill>
+          <a:blip r:embed="rId2"/>
+          <a:stretch>
+            <a:fillRect/>
+          </a:stretch>
+        </p:blipFill>
+        <p:spPr>
+          <a:xfrm>
+            <a:off x="3411928" y="992997"/>
+            <a:ext cx="7977639" cy="5043910"/>
+          </a:xfrm>
+          <a:prstGeom prst="rect">
+            <a:avLst/>
+          </a:prstGeom>
+        </p:spPr>
+      </p:pic>
       <p:sp>
         <p:nvSpPr>
           <p:cNvPr id="6" name="Szöveg helye 5">
@@ -5139,12 +5249,40 @@
             <p:ph type="body" sz="half" idx="2"/>
           </p:nvPr>
         </p:nvSpPr>
-        <p:spPr/>
-        <p:txBody>
-          <a:bodyPr/>
-          <a:lstStyle/>
-          <a:p>
-            <a:endParaRPr lang="hu-HU"/>
+        <p:spPr>
+          <a:xfrm>
+            <a:off x="1063689" y="992998"/>
+            <a:ext cx="2348239" cy="5043910"/>
+          </a:xfrm>
+        </p:spPr>
+        <p:txBody>
+          <a:bodyPr>
+            <a:normAutofit lnSpcReduction="10000"/>
+          </a:bodyPr>
+          <a:lstStyle/>
+          <a:p>
+            <a:r>
+              <a:rPr lang="hu-HU" dirty="0"/>
+              <a:t>Tovább visz a többi oldalra.</a:t>
+            </a:r>
+          </a:p>
+          <a:p>
+            <a:r>
+              <a:rPr lang="hu-HU" dirty="0"/>
+              <a:t>De csak ha a felhasználó be van regisztrálva.</a:t>
+            </a:r>
+          </a:p>
+          <a:p>
+            <a:r>
+              <a:rPr lang="hu-HU" dirty="0"/>
+              <a:t>A „FEDEZD FEL!” gombra kattintva megtekinthető a csapat története röviden.</a:t>
+            </a:r>
+          </a:p>
+          <a:p>
+            <a:r>
+              <a:rPr lang="hu-HU" dirty="0"/>
+              <a:t>Az footer tartalmazza az: Adatvédelmi nyilatkozatot, Felhasználási feltételeket, és végül a Kapcsolatot.</a:t>
+            </a:r>
           </a:p>
         </p:txBody>
       </p:sp>
@@ -5194,40 +5332,55 @@
             <p:ph type="title"/>
           </p:nvPr>
         </p:nvSpPr>
-        <p:spPr/>
-        <p:txBody>
-          <a:bodyPr/>
-          <a:lstStyle/>
-          <a:p>
-            <a:endParaRPr lang="hu-HU"/>
-          </a:p>
-        </p:txBody>
-      </p:sp>
-      <p:sp>
-        <p:nvSpPr>
-          <p:cNvPr id="5" name="Tartalom helye 4">
+        <p:spPr>
+          <a:xfrm>
+            <a:off x="1970321" y="1650355"/>
+            <a:ext cx="2664361" cy="591782"/>
+          </a:xfrm>
+        </p:spPr>
+        <p:txBody>
+          <a:bodyPr/>
+          <a:lstStyle/>
+          <a:p>
+            <a:r>
+              <a:rPr lang="hu-HU" b="1" u="sng" dirty="0"/>
+              <a:t>Események</a:t>
+            </a:r>
+          </a:p>
+        </p:txBody>
+      </p:sp>
+      <p:pic>
+        <p:nvPicPr>
+          <p:cNvPr id="2" name="Tartalom helye 1">
             <a:extLst>
               <a:ext uri="{FF2B5EF4-FFF2-40B4-BE49-F238E27FC236}">
-                <a16:creationId xmlns:a16="http://schemas.microsoft.com/office/drawing/2014/main" id="{046F1ADA-29F7-445B-B758-5468CF6F2932}"/>
+                <a16:creationId xmlns:a16="http://schemas.microsoft.com/office/drawing/2014/main" id="{6C74C1A5-01E2-4DE0-BB54-72DF1AA3BCC1}"/>
               </a:ext>
             </a:extLst>
           </p:cNvPr>
-          <p:cNvSpPr>
-            <a:spLocks noGrp="1"/>
-          </p:cNvSpPr>
+          <p:cNvPicPr>
+            <a:picLocks noGrp="1" noChangeAspect="1"/>
+          </p:cNvPicPr>
           <p:nvPr>
             <p:ph idx="1"/>
           </p:nvPr>
-        </p:nvSpPr>
-        <p:spPr/>
-        <p:txBody>
-          <a:bodyPr/>
-          <a:lstStyle/>
-          <a:p>
-            <a:endParaRPr lang="hu-HU"/>
-          </a:p>
-        </p:txBody>
-      </p:sp>
+        </p:nvPicPr>
+        <p:blipFill>
+          <a:blip r:embed="rId2"/>
+          <a:stretch>
+            <a:fillRect/>
+          </a:stretch>
+        </p:blipFill>
+        <p:spPr>
+          <a:xfrm>
+            <a:off x="5119688" y="1650355"/>
+            <a:ext cx="5446712" cy="3555702"/>
+          </a:xfrm>
+          <a:prstGeom prst="rect">
+            <a:avLst/>
+          </a:prstGeom>
+        </p:spPr>
+      </p:pic>
       <p:sp>
         <p:nvSpPr>
           <p:cNvPr id="6" name="Szöveg helye 5">
@@ -5244,12 +5397,40 @@
             <p:ph type="body" sz="half" idx="2"/>
           </p:nvPr>
         </p:nvSpPr>
-        <p:spPr/>
-        <p:txBody>
-          <a:bodyPr/>
-          <a:lstStyle/>
-          <a:p>
-            <a:endParaRPr lang="hu-HU"/>
+        <p:spPr>
+          <a:xfrm>
+            <a:off x="1970320" y="2421044"/>
+            <a:ext cx="3002896" cy="2785013"/>
+          </a:xfrm>
+        </p:spPr>
+        <p:txBody>
+          <a:bodyPr>
+            <a:normAutofit lnSpcReduction="10000"/>
+          </a:bodyPr>
+          <a:lstStyle/>
+          <a:p>
+            <a:r>
+              <a:rPr lang="hu-HU" dirty="0"/>
+              <a:t>Tartalmazza a jövőbeli meccseket amit egy </a:t>
+            </a:r>
+            <a:r>
+              <a:rPr lang="hu-HU" i="1" dirty="0"/>
+              <a:t>API</a:t>
+            </a:r>
+            <a:r>
+              <a:rPr lang="hu-HU" b="1" dirty="0"/>
+              <a:t> (Application Programming Interface) </a:t>
+            </a:r>
+            <a:r>
+              <a:rPr lang="hu-HU" dirty="0"/>
+              <a:t>segítségével kértünk be a naptárunk tartalmába.</a:t>
+            </a:r>
+          </a:p>
+          <a:p>
+            <a:r>
+              <a:rPr lang="hu-HU" dirty="0"/>
+              <a:t>És ha az ember szeretne tovább kattinthat egy online fogadási oldalra.</a:t>
+            </a:r>
           </a:p>
         </p:txBody>
       </p:sp>
@@ -5288,7 +5469,7 @@
           <p:cNvPr id="4" name="Cím 3">
             <a:extLst>
               <a:ext uri="{FF2B5EF4-FFF2-40B4-BE49-F238E27FC236}">
-                <a16:creationId xmlns:a16="http://schemas.microsoft.com/office/drawing/2014/main" id="{A73605E8-741B-44C5-B02A-9FAF997FBC23}"/>
+                <a16:creationId xmlns:a16="http://schemas.microsoft.com/office/drawing/2014/main" id="{5CF6C496-3FED-4E52-97D8-6C3BBB361848}"/>
               </a:ext>
             </a:extLst>
           </p:cNvPr>
@@ -5299,21 +5480,29 @@
             <p:ph type="title"/>
           </p:nvPr>
         </p:nvSpPr>
-        <p:spPr/>
-        <p:txBody>
-          <a:bodyPr/>
-          <a:lstStyle/>
-          <a:p>
-            <a:endParaRPr lang="hu-HU"/>
-          </a:p>
-        </p:txBody>
-      </p:sp>
-      <p:sp>
-        <p:nvSpPr>
-          <p:cNvPr id="5" name="Tartalom helye 4">
+        <p:spPr>
+          <a:xfrm>
+            <a:off x="2609873" y="1170346"/>
+            <a:ext cx="7956560" cy="713819"/>
+          </a:xfrm>
+        </p:spPr>
+        <p:txBody>
+          <a:bodyPr/>
+          <a:lstStyle/>
+          <a:p>
+            <a:r>
+              <a:rPr lang="hu-HU" b="1" u="sng" dirty="0"/>
+              <a:t>Játékosok</a:t>
+            </a:r>
+          </a:p>
+        </p:txBody>
+      </p:sp>
+      <p:sp>
+        <p:nvSpPr>
+          <p:cNvPr id="5" name="Szöveg helye 4">
             <a:extLst>
               <a:ext uri="{FF2B5EF4-FFF2-40B4-BE49-F238E27FC236}">
-                <a16:creationId xmlns:a16="http://schemas.microsoft.com/office/drawing/2014/main" id="{BAB67DFF-248D-4767-8A93-732DA41C960B}"/>
+                <a16:creationId xmlns:a16="http://schemas.microsoft.com/office/drawing/2014/main" id="{FA6005F5-E17D-4248-8944-B6107552E86A}"/>
               </a:ext>
             </a:extLst>
           </p:cNvPr>
@@ -5321,7 +5510,7 @@
             <a:spLocks noGrp="1"/>
           </p:cNvSpPr>
           <p:nvPr>
-            <p:ph idx="1"/>
+            <p:ph type="body" idx="1"/>
           </p:nvPr>
         </p:nvSpPr>
         <p:spPr/>
@@ -5329,24 +5518,59 @@
           <a:bodyPr/>
           <a:lstStyle/>
           <a:p>
-            <a:endParaRPr lang="hu-HU"/>
-          </a:p>
-        </p:txBody>
-      </p:sp>
-      <p:sp>
-        <p:nvSpPr>
-          <p:cNvPr id="6" name="Szöveg helye 5">
+            <a:r>
+              <a:rPr lang="hu-HU" i="1" dirty="0"/>
+              <a:t>Kezdőötös</a:t>
+            </a:r>
+          </a:p>
+        </p:txBody>
+      </p:sp>
+      <p:pic>
+        <p:nvPicPr>
+          <p:cNvPr id="2" name="Tartalom helye 1">
             <a:extLst>
               <a:ext uri="{FF2B5EF4-FFF2-40B4-BE49-F238E27FC236}">
-                <a16:creationId xmlns:a16="http://schemas.microsoft.com/office/drawing/2014/main" id="{BD6840D6-A4FB-4E46-BA77-AAFD1BA28BA1}"/>
+                <a16:creationId xmlns:a16="http://schemas.microsoft.com/office/drawing/2014/main" id="{45AA47E8-4DBA-4E8F-A45C-BE1781E59846}"/>
               </a:ext>
             </a:extLst>
           </p:cNvPr>
-          <p:cNvSpPr>
-            <a:spLocks noGrp="1"/>
-          </p:cNvSpPr>
-          <p:nvPr>
-            <p:ph type="body" sz="half" idx="2"/>
+          <p:cNvPicPr>
+            <a:picLocks noGrp="1" noChangeAspect="1"/>
+          </p:cNvPicPr>
+          <p:nvPr>
+            <p:ph sz="half" idx="2"/>
+          </p:nvPr>
+        </p:nvPicPr>
+        <p:blipFill>
+          <a:blip r:embed="rId2"/>
+          <a:stretch>
+            <a:fillRect/>
+          </a:stretch>
+        </p:blipFill>
+        <p:spPr>
+          <a:xfrm>
+            <a:off x="2614284" y="2851330"/>
+            <a:ext cx="3481716" cy="3717925"/>
+          </a:xfrm>
+          <a:prstGeom prst="rect">
+            <a:avLst/>
+          </a:prstGeom>
+        </p:spPr>
+      </p:pic>
+      <p:sp>
+        <p:nvSpPr>
+          <p:cNvPr id="7" name="Szöveg helye 6">
+            <a:extLst>
+              <a:ext uri="{FF2B5EF4-FFF2-40B4-BE49-F238E27FC236}">
+                <a16:creationId xmlns:a16="http://schemas.microsoft.com/office/drawing/2014/main" id="{8CB77B36-202B-4643-8B61-3CA86BDFD473}"/>
+              </a:ext>
+            </a:extLst>
+          </p:cNvPr>
+          <p:cNvSpPr>
+            <a:spLocks noGrp="1"/>
+          </p:cNvSpPr>
+          <p:nvPr>
+            <p:ph type="body" sz="quarter" idx="3"/>
           </p:nvPr>
         </p:nvSpPr>
         <p:spPr/>
@@ -5354,14 +5578,47 @@
           <a:bodyPr/>
           <a:lstStyle/>
           <a:p>
-            <a:endParaRPr lang="hu-HU"/>
+            <a:r>
+              <a:rPr lang="hu-HU" i="1" dirty="0"/>
+              <a:t>Cserék</a:t>
+            </a:r>
+          </a:p>
+        </p:txBody>
+      </p:sp>
+      <p:sp>
+        <p:nvSpPr>
+          <p:cNvPr id="8" name="Tartalom helye 7">
+            <a:extLst>
+              <a:ext uri="{FF2B5EF4-FFF2-40B4-BE49-F238E27FC236}">
+                <a16:creationId xmlns:a16="http://schemas.microsoft.com/office/drawing/2014/main" id="{ED6C6B8D-57BC-4E6A-8228-E6695F40404B}"/>
+              </a:ext>
+            </a:extLst>
+          </p:cNvPr>
+          <p:cNvSpPr>
+            <a:spLocks noGrp="1"/>
+          </p:cNvSpPr>
+          <p:nvPr>
+            <p:ph sz="quarter" idx="4"/>
+          </p:nvPr>
+        </p:nvSpPr>
+        <p:spPr>
+          <a:xfrm>
+            <a:off x="6666635" y="2851330"/>
+            <a:ext cx="3899798" cy="3717419"/>
+          </a:xfrm>
+        </p:spPr>
+        <p:txBody>
+          <a:bodyPr/>
+          <a:lstStyle/>
+          <a:p>
+            <a:endParaRPr lang="hu-HU" dirty="0"/>
           </a:p>
         </p:txBody>
       </p:sp>
     </p:spTree>
     <p:extLst>
       <p:ext uri="{BB962C8B-B14F-4D97-AF65-F5344CB8AC3E}">
-        <p14:creationId xmlns:p14="http://schemas.microsoft.com/office/powerpoint/2010/main" val="4000491673"/>
+        <p14:creationId xmlns:p14="http://schemas.microsoft.com/office/powerpoint/2010/main" val="109295697"/>
       </p:ext>
     </p:extLst>
   </p:cSld>
@@ -5393,7 +5650,7 @@
           <p:cNvPr id="4" name="Cím 3">
             <a:extLst>
               <a:ext uri="{FF2B5EF4-FFF2-40B4-BE49-F238E27FC236}">
-                <a16:creationId xmlns:a16="http://schemas.microsoft.com/office/drawing/2014/main" id="{5CF6C496-3FED-4E52-97D8-6C3BBB361848}"/>
+                <a16:creationId xmlns:a16="http://schemas.microsoft.com/office/drawing/2014/main" id="{A73605E8-741B-44C5-B02A-9FAF997FBC23}"/>
               </a:ext>
             </a:extLst>
           </p:cNvPr>
@@ -5415,10 +5672,10 @@
       </p:sp>
       <p:sp>
         <p:nvSpPr>
-          <p:cNvPr id="5" name="Szöveg helye 4">
+          <p:cNvPr id="5" name="Tartalom helye 4">
             <a:extLst>
               <a:ext uri="{FF2B5EF4-FFF2-40B4-BE49-F238E27FC236}">
-                <a16:creationId xmlns:a16="http://schemas.microsoft.com/office/drawing/2014/main" id="{FA6005F5-E17D-4248-8944-B6107552E86A}"/>
+                <a16:creationId xmlns:a16="http://schemas.microsoft.com/office/drawing/2014/main" id="{BAB67DFF-248D-4767-8A93-732DA41C960B}"/>
               </a:ext>
             </a:extLst>
           </p:cNvPr>
@@ -5426,7 +5683,7 @@
             <a:spLocks noGrp="1"/>
           </p:cNvSpPr>
           <p:nvPr>
-            <p:ph type="body" idx="1"/>
+            <p:ph idx="1"/>
           </p:nvPr>
         </p:nvSpPr>
         <p:spPr/>
@@ -5440,10 +5697,10 @@
       </p:sp>
       <p:sp>
         <p:nvSpPr>
-          <p:cNvPr id="6" name="Tartalom helye 5">
+          <p:cNvPr id="6" name="Szöveg helye 5">
             <a:extLst>
               <a:ext uri="{FF2B5EF4-FFF2-40B4-BE49-F238E27FC236}">
-                <a16:creationId xmlns:a16="http://schemas.microsoft.com/office/drawing/2014/main" id="{6F971A21-1F07-4ADB-A391-33C16FFDD725}"/>
+                <a16:creationId xmlns:a16="http://schemas.microsoft.com/office/drawing/2014/main" id="{BD6840D6-A4FB-4E46-BA77-AAFD1BA28BA1}"/>
               </a:ext>
             </a:extLst>
           </p:cNvPr>
@@ -5451,57 +5708,7 @@
             <a:spLocks noGrp="1"/>
           </p:cNvSpPr>
           <p:nvPr>
-            <p:ph sz="half" idx="2"/>
-          </p:nvPr>
-        </p:nvSpPr>
-        <p:spPr/>
-        <p:txBody>
-          <a:bodyPr/>
-          <a:lstStyle/>
-          <a:p>
-            <a:endParaRPr lang="hu-HU"/>
-          </a:p>
-        </p:txBody>
-      </p:sp>
-      <p:sp>
-        <p:nvSpPr>
-          <p:cNvPr id="7" name="Szöveg helye 6">
-            <a:extLst>
-              <a:ext uri="{FF2B5EF4-FFF2-40B4-BE49-F238E27FC236}">
-                <a16:creationId xmlns:a16="http://schemas.microsoft.com/office/drawing/2014/main" id="{8CB77B36-202B-4643-8B61-3CA86BDFD473}"/>
-              </a:ext>
-            </a:extLst>
-          </p:cNvPr>
-          <p:cNvSpPr>
-            <a:spLocks noGrp="1"/>
-          </p:cNvSpPr>
-          <p:nvPr>
-            <p:ph type="body" sz="quarter" idx="3"/>
-          </p:nvPr>
-        </p:nvSpPr>
-        <p:spPr/>
-        <p:txBody>
-          <a:bodyPr/>
-          <a:lstStyle/>
-          <a:p>
-            <a:endParaRPr lang="hu-HU"/>
-          </a:p>
-        </p:txBody>
-      </p:sp>
-      <p:sp>
-        <p:nvSpPr>
-          <p:cNvPr id="8" name="Tartalom helye 7">
-            <a:extLst>
-              <a:ext uri="{FF2B5EF4-FFF2-40B4-BE49-F238E27FC236}">
-                <a16:creationId xmlns:a16="http://schemas.microsoft.com/office/drawing/2014/main" id="{ED6C6B8D-57BC-4E6A-8228-E6695F40404B}"/>
-              </a:ext>
-            </a:extLst>
-          </p:cNvPr>
-          <p:cNvSpPr>
-            <a:spLocks noGrp="1"/>
-          </p:cNvSpPr>
-          <p:nvPr>
-            <p:ph sz="quarter" idx="4"/>
+            <p:ph type="body" sz="half" idx="2"/>
           </p:nvPr>
         </p:nvSpPr>
         <p:spPr/>
@@ -5516,7 +5723,7 @@
     </p:spTree>
     <p:extLst>
       <p:ext uri="{BB962C8B-B14F-4D97-AF65-F5344CB8AC3E}">
-        <p14:creationId xmlns:p14="http://schemas.microsoft.com/office/powerpoint/2010/main" val="109295697"/>
+        <p14:creationId xmlns:p14="http://schemas.microsoft.com/office/powerpoint/2010/main" val="4000491673"/>
       </p:ext>
     </p:extLst>
   </p:cSld>

--- a/Vizsga.pptx
+++ b/Vizsga.pptx
@@ -4,6 +4,9 @@
   <p:sldMasterIdLst>
     <p:sldMasterId id="2147483660" r:id="rId1"/>
   </p:sldMasterIdLst>
+  <p:notesMasterIdLst>
+    <p:notesMasterId r:id="rId14"/>
+  </p:notesMasterIdLst>
   <p:sldIdLst>
     <p:sldId id="256" r:id="rId2"/>
     <p:sldId id="258" r:id="rId3"/>
@@ -123,6 +126,465 @@
 </p:presentation>
 </file>
 
+<file path=ppt/commentAuthors.xml><?xml version="1.0" encoding="utf-8"?>
+<p:cmAuthorLst xmlns:a="http://schemas.openxmlformats.org/drawingml/2006/main" xmlns:r="http://schemas.openxmlformats.org/officeDocument/2006/relationships" xmlns:p="http://schemas.openxmlformats.org/presentationml/2006/main">
+  <p:cmAuthor id="1" name="Taics Márton 487" initials="TM4" lastIdx="1" clrIdx="0">
+    <p:extLst>
+      <p:ext uri="{19B8F6BF-5375-455C-9EA6-DF929625EA0E}">
+        <p15:presenceInfo xmlns:p15="http://schemas.microsoft.com/office/powerpoint/2012/main" userId="S-1-5-21-1078517235-3477582912-4158071567-4852" providerId="AD"/>
+      </p:ext>
+    </p:extLst>
+  </p:cmAuthor>
+</p:cmAuthorLst>
+</file>
+
+<file path=ppt/comments/comment1.xml><?xml version="1.0" encoding="utf-8"?>
+<p:cmLst xmlns:a="http://schemas.openxmlformats.org/drawingml/2006/main" xmlns:r="http://schemas.openxmlformats.org/officeDocument/2006/relationships" xmlns:p="http://schemas.openxmlformats.org/presentationml/2006/main">
+  <p:cm authorId="1" dt="2025-03-25T08:39:29.420" idx="1">
+    <p:pos x="10" y="10"/>
+    <p:text/>
+    <p:extLst>
+      <p:ext uri="{C676402C-5697-4E1C-873F-D02D1690AC5C}">
+        <p15:threadingInfo xmlns:p15="http://schemas.microsoft.com/office/powerpoint/2012/main" timeZoneBias="-60"/>
+      </p:ext>
+    </p:extLst>
+  </p:cm>
+</p:cmLst>
+</file>
+
+<file path=ppt/notesMasters/notesMaster1.xml><?xml version="1.0" encoding="utf-8"?>
+<p:notesMaster xmlns:a="http://schemas.openxmlformats.org/drawingml/2006/main" xmlns:r="http://schemas.openxmlformats.org/officeDocument/2006/relationships" xmlns:p="http://schemas.openxmlformats.org/presentationml/2006/main">
+  <p:cSld>
+    <p:bg>
+      <p:bgRef idx="1001">
+        <a:schemeClr val="bg1"/>
+      </p:bgRef>
+    </p:bg>
+    <p:spTree>
+      <p:nvGrpSpPr>
+        <p:cNvPr id="1" name=""/>
+        <p:cNvGrpSpPr/>
+        <p:nvPr/>
+      </p:nvGrpSpPr>
+      <p:grpSpPr>
+        <a:xfrm>
+          <a:off x="0" y="0"/>
+          <a:ext cx="0" cy="0"/>
+          <a:chOff x="0" y="0"/>
+          <a:chExt cx="0" cy="0"/>
+        </a:xfrm>
+      </p:grpSpPr>
+      <p:sp>
+        <p:nvSpPr>
+          <p:cNvPr id="2" name="Élőfej helye 1"/>
+          <p:cNvSpPr>
+            <a:spLocks noGrp="1"/>
+          </p:cNvSpPr>
+          <p:nvPr>
+            <p:ph type="hdr" sz="quarter"/>
+          </p:nvPr>
+        </p:nvSpPr>
+        <p:spPr>
+          <a:xfrm>
+            <a:off x="0" y="0"/>
+            <a:ext cx="2971800" cy="458788"/>
+          </a:xfrm>
+          <a:prstGeom prst="rect">
+            <a:avLst/>
+          </a:prstGeom>
+        </p:spPr>
+        <p:txBody>
+          <a:bodyPr vert="horz" lIns="91440" tIns="45720" rIns="91440" bIns="45720" rtlCol="0"/>
+          <a:lstStyle>
+            <a:lvl1pPr algn="l">
+              <a:defRPr sz="1200"/>
+            </a:lvl1pPr>
+          </a:lstStyle>
+          <a:p>
+            <a:endParaRPr lang="hu-HU"/>
+          </a:p>
+        </p:txBody>
+      </p:sp>
+      <p:sp>
+        <p:nvSpPr>
+          <p:cNvPr id="3" name="Dátum helye 2"/>
+          <p:cNvSpPr>
+            <a:spLocks noGrp="1"/>
+          </p:cNvSpPr>
+          <p:nvPr>
+            <p:ph type="dt" idx="1"/>
+          </p:nvPr>
+        </p:nvSpPr>
+        <p:spPr>
+          <a:xfrm>
+            <a:off x="3884613" y="0"/>
+            <a:ext cx="2971800" cy="458788"/>
+          </a:xfrm>
+          <a:prstGeom prst="rect">
+            <a:avLst/>
+          </a:prstGeom>
+        </p:spPr>
+        <p:txBody>
+          <a:bodyPr vert="horz" lIns="91440" tIns="45720" rIns="91440" bIns="45720" rtlCol="0"/>
+          <a:lstStyle>
+            <a:lvl1pPr algn="r">
+              <a:defRPr sz="1200"/>
+            </a:lvl1pPr>
+          </a:lstStyle>
+          <a:p>
+            <a:fld id="{3E9A8F1E-217C-45D5-9A54-4FBC88FF6630}" type="datetimeFigureOut">
+              <a:rPr lang="hu-HU" smtClean="0"/>
+              <a:t>2025. 03. 25.</a:t>
+            </a:fld>
+            <a:endParaRPr lang="hu-HU"/>
+          </a:p>
+        </p:txBody>
+      </p:sp>
+      <p:sp>
+        <p:nvSpPr>
+          <p:cNvPr id="4" name="Diakép helye 3"/>
+          <p:cNvSpPr>
+            <a:spLocks noGrp="1" noRot="1" noChangeAspect="1"/>
+          </p:cNvSpPr>
+          <p:nvPr>
+            <p:ph type="sldImg" idx="2"/>
+          </p:nvPr>
+        </p:nvSpPr>
+        <p:spPr>
+          <a:xfrm>
+            <a:off x="685800" y="1143000"/>
+            <a:ext cx="5486400" cy="3086100"/>
+          </a:xfrm>
+          <a:prstGeom prst="rect">
+            <a:avLst/>
+          </a:prstGeom>
+          <a:noFill/>
+          <a:ln w="12700">
+            <a:solidFill>
+              <a:prstClr val="black"/>
+            </a:solidFill>
+          </a:ln>
+        </p:spPr>
+        <p:txBody>
+          <a:bodyPr vert="horz" lIns="91440" tIns="45720" rIns="91440" bIns="45720" rtlCol="0" anchor="ctr"/>
+          <a:lstStyle/>
+          <a:p>
+            <a:endParaRPr lang="hu-HU"/>
+          </a:p>
+        </p:txBody>
+      </p:sp>
+      <p:sp>
+        <p:nvSpPr>
+          <p:cNvPr id="5" name="Jegyzetek helye 4"/>
+          <p:cNvSpPr>
+            <a:spLocks noGrp="1"/>
+          </p:cNvSpPr>
+          <p:nvPr>
+            <p:ph type="body" sz="quarter" idx="3"/>
+          </p:nvPr>
+        </p:nvSpPr>
+        <p:spPr>
+          <a:xfrm>
+            <a:off x="685800" y="4400550"/>
+            <a:ext cx="5486400" cy="3600450"/>
+          </a:xfrm>
+          <a:prstGeom prst="rect">
+            <a:avLst/>
+          </a:prstGeom>
+        </p:spPr>
+        <p:txBody>
+          <a:bodyPr vert="horz" lIns="91440" tIns="45720" rIns="91440" bIns="45720" rtlCol="0"/>
+          <a:lstStyle/>
+          <a:p>
+            <a:pPr lvl="0"/>
+            <a:r>
+              <a:rPr lang="hu-HU"/>
+              <a:t>Mintaszöveg szerkesztése</a:t>
+            </a:r>
+          </a:p>
+          <a:p>
+            <a:pPr lvl="1"/>
+            <a:r>
+              <a:rPr lang="hu-HU"/>
+              <a:t>Második szint</a:t>
+            </a:r>
+          </a:p>
+          <a:p>
+            <a:pPr lvl="2"/>
+            <a:r>
+              <a:rPr lang="hu-HU"/>
+              <a:t>Harmadik szint</a:t>
+            </a:r>
+          </a:p>
+          <a:p>
+            <a:pPr lvl="3"/>
+            <a:r>
+              <a:rPr lang="hu-HU"/>
+              <a:t>Negyedik szint</a:t>
+            </a:r>
+          </a:p>
+          <a:p>
+            <a:pPr lvl="4"/>
+            <a:r>
+              <a:rPr lang="hu-HU"/>
+              <a:t>Ötödik szint</a:t>
+            </a:r>
+          </a:p>
+        </p:txBody>
+      </p:sp>
+      <p:sp>
+        <p:nvSpPr>
+          <p:cNvPr id="6" name="Élőláb helye 5"/>
+          <p:cNvSpPr>
+            <a:spLocks noGrp="1"/>
+          </p:cNvSpPr>
+          <p:nvPr>
+            <p:ph type="ftr" sz="quarter" idx="4"/>
+          </p:nvPr>
+        </p:nvSpPr>
+        <p:spPr>
+          <a:xfrm>
+            <a:off x="0" y="8685213"/>
+            <a:ext cx="2971800" cy="458787"/>
+          </a:xfrm>
+          <a:prstGeom prst="rect">
+            <a:avLst/>
+          </a:prstGeom>
+        </p:spPr>
+        <p:txBody>
+          <a:bodyPr vert="horz" lIns="91440" tIns="45720" rIns="91440" bIns="45720" rtlCol="0" anchor="b"/>
+          <a:lstStyle>
+            <a:lvl1pPr algn="l">
+              <a:defRPr sz="1200"/>
+            </a:lvl1pPr>
+          </a:lstStyle>
+          <a:p>
+            <a:endParaRPr lang="hu-HU"/>
+          </a:p>
+        </p:txBody>
+      </p:sp>
+      <p:sp>
+        <p:nvSpPr>
+          <p:cNvPr id="7" name="Dia számának helye 6"/>
+          <p:cNvSpPr>
+            <a:spLocks noGrp="1"/>
+          </p:cNvSpPr>
+          <p:nvPr>
+            <p:ph type="sldNum" sz="quarter" idx="5"/>
+          </p:nvPr>
+        </p:nvSpPr>
+        <p:spPr>
+          <a:xfrm>
+            <a:off x="3884613" y="8685213"/>
+            <a:ext cx="2971800" cy="458787"/>
+          </a:xfrm>
+          <a:prstGeom prst="rect">
+            <a:avLst/>
+          </a:prstGeom>
+        </p:spPr>
+        <p:txBody>
+          <a:bodyPr vert="horz" lIns="91440" tIns="45720" rIns="91440" bIns="45720" rtlCol="0" anchor="b"/>
+          <a:lstStyle>
+            <a:lvl1pPr algn="r">
+              <a:defRPr sz="1200"/>
+            </a:lvl1pPr>
+          </a:lstStyle>
+          <a:p>
+            <a:fld id="{0A827DE9-A734-4F6D-A5A4-8E6B523EC370}" type="slidenum">
+              <a:rPr lang="hu-HU" smtClean="0"/>
+              <a:t>‹#›</a:t>
+            </a:fld>
+            <a:endParaRPr lang="hu-HU"/>
+          </a:p>
+        </p:txBody>
+      </p:sp>
+    </p:spTree>
+    <p:extLst>
+      <p:ext uri="{BB962C8B-B14F-4D97-AF65-F5344CB8AC3E}">
+        <p14:creationId xmlns:p14="http://schemas.microsoft.com/office/powerpoint/2010/main" val="3273807466"/>
+      </p:ext>
+    </p:extLst>
+  </p:cSld>
+  <p:clrMap bg1="lt1" tx1="dk1" bg2="lt2" tx2="dk2" accent1="accent1" accent2="accent2" accent3="accent3" accent4="accent4" accent5="accent5" accent6="accent6" hlink="hlink" folHlink="folHlink"/>
+  <p:notesStyle>
+    <a:lvl1pPr marL="0" algn="l" defTabSz="914400" rtl="0" eaLnBrk="1" latinLnBrk="0" hangingPunct="1">
+      <a:defRPr sz="1200" kern="1200">
+        <a:solidFill>
+          <a:schemeClr val="tx1"/>
+        </a:solidFill>
+        <a:latin typeface="+mn-lt"/>
+        <a:ea typeface="+mn-ea"/>
+        <a:cs typeface="+mn-cs"/>
+      </a:defRPr>
+    </a:lvl1pPr>
+    <a:lvl2pPr marL="457200" algn="l" defTabSz="914400" rtl="0" eaLnBrk="1" latinLnBrk="0" hangingPunct="1">
+      <a:defRPr sz="1200" kern="1200">
+        <a:solidFill>
+          <a:schemeClr val="tx1"/>
+        </a:solidFill>
+        <a:latin typeface="+mn-lt"/>
+        <a:ea typeface="+mn-ea"/>
+        <a:cs typeface="+mn-cs"/>
+      </a:defRPr>
+    </a:lvl2pPr>
+    <a:lvl3pPr marL="914400" algn="l" defTabSz="914400" rtl="0" eaLnBrk="1" latinLnBrk="0" hangingPunct="1">
+      <a:defRPr sz="1200" kern="1200">
+        <a:solidFill>
+          <a:schemeClr val="tx1"/>
+        </a:solidFill>
+        <a:latin typeface="+mn-lt"/>
+        <a:ea typeface="+mn-ea"/>
+        <a:cs typeface="+mn-cs"/>
+      </a:defRPr>
+    </a:lvl3pPr>
+    <a:lvl4pPr marL="1371600" algn="l" defTabSz="914400" rtl="0" eaLnBrk="1" latinLnBrk="0" hangingPunct="1">
+      <a:defRPr sz="1200" kern="1200">
+        <a:solidFill>
+          <a:schemeClr val="tx1"/>
+        </a:solidFill>
+        <a:latin typeface="+mn-lt"/>
+        <a:ea typeface="+mn-ea"/>
+        <a:cs typeface="+mn-cs"/>
+      </a:defRPr>
+    </a:lvl4pPr>
+    <a:lvl5pPr marL="1828800" algn="l" defTabSz="914400" rtl="0" eaLnBrk="1" latinLnBrk="0" hangingPunct="1">
+      <a:defRPr sz="1200" kern="1200">
+        <a:solidFill>
+          <a:schemeClr val="tx1"/>
+        </a:solidFill>
+        <a:latin typeface="+mn-lt"/>
+        <a:ea typeface="+mn-ea"/>
+        <a:cs typeface="+mn-cs"/>
+      </a:defRPr>
+    </a:lvl5pPr>
+    <a:lvl6pPr marL="2286000" algn="l" defTabSz="914400" rtl="0" eaLnBrk="1" latinLnBrk="0" hangingPunct="1">
+      <a:defRPr sz="1200" kern="1200">
+        <a:solidFill>
+          <a:schemeClr val="tx1"/>
+        </a:solidFill>
+        <a:latin typeface="+mn-lt"/>
+        <a:ea typeface="+mn-ea"/>
+        <a:cs typeface="+mn-cs"/>
+      </a:defRPr>
+    </a:lvl6pPr>
+    <a:lvl7pPr marL="2743200" algn="l" defTabSz="914400" rtl="0" eaLnBrk="1" latinLnBrk="0" hangingPunct="1">
+      <a:defRPr sz="1200" kern="1200">
+        <a:solidFill>
+          <a:schemeClr val="tx1"/>
+        </a:solidFill>
+        <a:latin typeface="+mn-lt"/>
+        <a:ea typeface="+mn-ea"/>
+        <a:cs typeface="+mn-cs"/>
+      </a:defRPr>
+    </a:lvl7pPr>
+    <a:lvl8pPr marL="3200400" algn="l" defTabSz="914400" rtl="0" eaLnBrk="1" latinLnBrk="0" hangingPunct="1">
+      <a:defRPr sz="1200" kern="1200">
+        <a:solidFill>
+          <a:schemeClr val="tx1"/>
+        </a:solidFill>
+        <a:latin typeface="+mn-lt"/>
+        <a:ea typeface="+mn-ea"/>
+        <a:cs typeface="+mn-cs"/>
+      </a:defRPr>
+    </a:lvl8pPr>
+    <a:lvl9pPr marL="3657600" algn="l" defTabSz="914400" rtl="0" eaLnBrk="1" latinLnBrk="0" hangingPunct="1">
+      <a:defRPr sz="1200" kern="1200">
+        <a:solidFill>
+          <a:schemeClr val="tx1"/>
+        </a:solidFill>
+        <a:latin typeface="+mn-lt"/>
+        <a:ea typeface="+mn-ea"/>
+        <a:cs typeface="+mn-cs"/>
+      </a:defRPr>
+    </a:lvl9pPr>
+  </p:notesStyle>
+</p:notesMaster>
+</file>
+
+<file path=ppt/notesSlides/notesSlide1.xml><?xml version="1.0" encoding="utf-8"?>
+<p:notes xmlns:a="http://schemas.openxmlformats.org/drawingml/2006/main" xmlns:r="http://schemas.openxmlformats.org/officeDocument/2006/relationships" xmlns:p="http://schemas.openxmlformats.org/presentationml/2006/main">
+  <p:cSld>
+    <p:spTree>
+      <p:nvGrpSpPr>
+        <p:cNvPr id="1" name=""/>
+        <p:cNvGrpSpPr/>
+        <p:nvPr/>
+      </p:nvGrpSpPr>
+      <p:grpSpPr>
+        <a:xfrm>
+          <a:off x="0" y="0"/>
+          <a:ext cx="0" cy="0"/>
+          <a:chOff x="0" y="0"/>
+          <a:chExt cx="0" cy="0"/>
+        </a:xfrm>
+      </p:grpSpPr>
+      <p:sp>
+        <p:nvSpPr>
+          <p:cNvPr id="2" name="Diakép helye 1"/>
+          <p:cNvSpPr>
+            <a:spLocks noGrp="1" noRot="1" noChangeAspect="1"/>
+          </p:cNvSpPr>
+          <p:nvPr>
+            <p:ph type="sldImg"/>
+          </p:nvPr>
+        </p:nvSpPr>
+        <p:spPr/>
+      </p:sp>
+      <p:sp>
+        <p:nvSpPr>
+          <p:cNvPr id="3" name="Jegyzetek helye 2"/>
+          <p:cNvSpPr>
+            <a:spLocks noGrp="1"/>
+          </p:cNvSpPr>
+          <p:nvPr>
+            <p:ph type="body" idx="1"/>
+          </p:nvPr>
+        </p:nvSpPr>
+        <p:spPr/>
+        <p:txBody>
+          <a:bodyPr/>
+          <a:lstStyle/>
+          <a:p>
+            <a:endParaRPr lang="hu-HU" dirty="0"/>
+          </a:p>
+        </p:txBody>
+      </p:sp>
+      <p:sp>
+        <p:nvSpPr>
+          <p:cNvPr id="4" name="Dia számának helye 3"/>
+          <p:cNvSpPr>
+            <a:spLocks noGrp="1"/>
+          </p:cNvSpPr>
+          <p:nvPr>
+            <p:ph type="sldNum" sz="quarter" idx="5"/>
+          </p:nvPr>
+        </p:nvSpPr>
+        <p:spPr/>
+        <p:txBody>
+          <a:bodyPr/>
+          <a:lstStyle/>
+          <a:p>
+            <a:fld id="{0A827DE9-A734-4F6D-A5A4-8E6B523EC370}" type="slidenum">
+              <a:rPr lang="hu-HU" smtClean="0"/>
+              <a:t>6</a:t>
+            </a:fld>
+            <a:endParaRPr lang="hu-HU"/>
+          </a:p>
+        </p:txBody>
+      </p:sp>
+    </p:spTree>
+    <p:extLst>
+      <p:ext uri="{BB962C8B-B14F-4D97-AF65-F5344CB8AC3E}">
+        <p14:creationId xmlns:p14="http://schemas.microsoft.com/office/powerpoint/2010/main" val="3586528688"/>
+      </p:ext>
+    </p:extLst>
+  </p:cSld>
+  <p:clrMapOvr>
+    <a:masterClrMapping/>
+  </p:clrMapOvr>
+</p:notes>
+</file>
+
 <file path=ppt/slideLayouts/slideLayout1.xml><?xml version="1.0" encoding="utf-8"?>
 <p:sldLayout xmlns:a="http://schemas.openxmlformats.org/drawingml/2006/main" xmlns:r="http://schemas.openxmlformats.org/officeDocument/2006/relationships" xmlns:p="http://schemas.openxmlformats.org/presentationml/2006/main" type="title" preserve="1">
   <p:cSld name="Címdia">
@@ -340,7 +802,7 @@
           <a:p>
             <a:fld id="{BA145ECB-133F-4CFE-9613-827FBB2CD1C0}" type="datetimeFigureOut">
               <a:rPr lang="hu-HU" smtClean="0"/>
-              <a:t>2025. 03. 21.</a:t>
+              <a:t>2025. 03. 25.</a:t>
             </a:fld>
             <a:endParaRPr lang="hu-HU"/>
           </a:p>
@@ -675,7 +1137,7 @@
           <a:p>
             <a:fld id="{BA145ECB-133F-4CFE-9613-827FBB2CD1C0}" type="datetimeFigureOut">
               <a:rPr lang="hu-HU" smtClean="0"/>
-              <a:t>2025. 03. 21.</a:t>
+              <a:t>2025. 03. 25.</a:t>
             </a:fld>
             <a:endParaRPr lang="hu-HU"/>
           </a:p>
@@ -978,7 +1440,7 @@
           <a:p>
             <a:fld id="{BA145ECB-133F-4CFE-9613-827FBB2CD1C0}" type="datetimeFigureOut">
               <a:rPr lang="hu-HU" smtClean="0"/>
-              <a:t>2025. 03. 21.</a:t>
+              <a:t>2025. 03. 25.</a:t>
             </a:fld>
             <a:endParaRPr lang="hu-HU"/>
           </a:p>
@@ -1226,7 +1688,7 @@
           <a:p>
             <a:fld id="{BA145ECB-133F-4CFE-9613-827FBB2CD1C0}" type="datetimeFigureOut">
               <a:rPr lang="hu-HU" smtClean="0"/>
-              <a:t>2025. 03. 21.</a:t>
+              <a:t>2025. 03. 25.</a:t>
             </a:fld>
             <a:endParaRPr lang="hu-HU"/>
           </a:p>
@@ -1634,7 +2096,7 @@
           <a:p>
             <a:fld id="{BA145ECB-133F-4CFE-9613-827FBB2CD1C0}" type="datetimeFigureOut">
               <a:rPr lang="hu-HU" smtClean="0"/>
-              <a:t>2025. 03. 21.</a:t>
+              <a:t>2025. 03. 25.</a:t>
             </a:fld>
             <a:endParaRPr lang="hu-HU"/>
           </a:p>
@@ -1949,7 +2411,7 @@
           <a:p>
             <a:fld id="{BA145ECB-133F-4CFE-9613-827FBB2CD1C0}" type="datetimeFigureOut">
               <a:rPr lang="hu-HU" smtClean="0"/>
-              <a:t>2025. 03. 21.</a:t>
+              <a:t>2025. 03. 25.</a:t>
             </a:fld>
             <a:endParaRPr lang="hu-HU"/>
           </a:p>
@@ -2494,7 +2956,7 @@
           <a:p>
             <a:fld id="{BA145ECB-133F-4CFE-9613-827FBB2CD1C0}" type="datetimeFigureOut">
               <a:rPr lang="hu-HU" smtClean="0"/>
-              <a:t>2025. 03. 21.</a:t>
+              <a:t>2025. 03. 25.</a:t>
             </a:fld>
             <a:endParaRPr lang="hu-HU"/>
           </a:p>
@@ -2690,7 +3152,7 @@
           <a:p>
             <a:fld id="{BA145ECB-133F-4CFE-9613-827FBB2CD1C0}" type="datetimeFigureOut">
               <a:rPr lang="hu-HU" smtClean="0"/>
-              <a:t>2025. 03. 21.</a:t>
+              <a:t>2025. 03. 25.</a:t>
             </a:fld>
             <a:endParaRPr lang="hu-HU"/>
           </a:p>
@@ -2904,7 +3366,7 @@
           <a:p>
             <a:fld id="{BA145ECB-133F-4CFE-9613-827FBB2CD1C0}" type="datetimeFigureOut">
               <a:rPr lang="hu-HU" smtClean="0"/>
-              <a:t>2025. 03. 21.</a:t>
+              <a:t>2025. 03. 25.</a:t>
             </a:fld>
             <a:endParaRPr lang="hu-HU"/>
           </a:p>
@@ -3274,7 +3736,7 @@
           <a:p>
             <a:fld id="{BA145ECB-133F-4CFE-9613-827FBB2CD1C0}" type="datetimeFigureOut">
               <a:rPr lang="hu-HU" smtClean="0"/>
-              <a:t>2025. 03. 21.</a:t>
+              <a:t>2025. 03. 25.</a:t>
             </a:fld>
             <a:endParaRPr lang="hu-HU"/>
           </a:p>
@@ -3678,7 +4140,7 @@
           <a:p>
             <a:fld id="{BA145ECB-133F-4CFE-9613-827FBB2CD1C0}" type="datetimeFigureOut">
               <a:rPr lang="hu-HU" smtClean="0"/>
-              <a:t>2025. 03. 21.</a:t>
+              <a:t>2025. 03. 25.</a:t>
             </a:fld>
             <a:endParaRPr lang="hu-HU"/>
           </a:p>
@@ -4017,7 +4479,7 @@
           <a:p>
             <a:fld id="{BA145ECB-133F-4CFE-9613-827FBB2CD1C0}" type="datetimeFigureOut">
               <a:rPr lang="hu-HU" smtClean="0"/>
-              <a:t>2025. 03. 21.</a:t>
+              <a:t>2025. 03. 25.</a:t>
             </a:fld>
             <a:endParaRPr lang="hu-HU"/>
           </a:p>
@@ -4675,16 +5137,19 @@
           <a:bodyPr/>
           <a:lstStyle/>
           <a:p>
-            <a:endParaRPr lang="hu-HU"/>
-          </a:p>
-        </p:txBody>
-      </p:sp>
-      <p:sp>
-        <p:nvSpPr>
-          <p:cNvPr id="3" name="Tartalom helye 2">
+            <a:r>
+              <a:rPr lang="hu-HU" dirty="0"/>
+              <a:t>Kapcsolat</a:t>
+            </a:r>
+          </a:p>
+        </p:txBody>
+      </p:sp>
+      <p:sp>
+        <p:nvSpPr>
+          <p:cNvPr id="6" name="Szöveg helye 5">
             <a:extLst>
               <a:ext uri="{FF2B5EF4-FFF2-40B4-BE49-F238E27FC236}">
-                <a16:creationId xmlns:a16="http://schemas.microsoft.com/office/drawing/2014/main" id="{462DC6E9-65C1-4D54-87D6-336C2E1B2C08}"/>
+                <a16:creationId xmlns:a16="http://schemas.microsoft.com/office/drawing/2014/main" id="{A5DBDE17-8EC6-43DE-863F-4A88964CCFF1}"/>
               </a:ext>
             </a:extLst>
           </p:cNvPr>
@@ -4692,7 +5157,7 @@
             <a:spLocks noGrp="1"/>
           </p:cNvSpPr>
           <p:nvPr>
-            <p:ph idx="1"/>
+            <p:ph type="body" sz="half" idx="2"/>
           </p:nvPr>
         </p:nvSpPr>
         <p:spPr/>
@@ -4700,10 +5165,48 @@
           <a:bodyPr/>
           <a:lstStyle/>
           <a:p>
-            <a:endParaRPr lang="hu-HU"/>
-          </a:p>
-        </p:txBody>
-      </p:sp>
+            <a:r>
+              <a:rPr lang="hu-HU" dirty="0"/>
+              <a:t>Ha a felhasználónak bármi panasza vagy kérdése van felénk ezt megteheti ezen </a:t>
+            </a:r>
+            <a:r>
+              <a:rPr lang="hu-HU"/>
+              <a:t>az oldalon</a:t>
+            </a:r>
+            <a:endParaRPr lang="hu-HU" dirty="0"/>
+          </a:p>
+        </p:txBody>
+      </p:sp>
+      <p:pic>
+        <p:nvPicPr>
+          <p:cNvPr id="11" name="Kép 10">
+            <a:extLst>
+              <a:ext uri="{FF2B5EF4-FFF2-40B4-BE49-F238E27FC236}">
+                <a16:creationId xmlns:a16="http://schemas.microsoft.com/office/drawing/2014/main" id="{3AF93151-B219-4AA7-AEF4-DC10DC208813}"/>
+              </a:ext>
+            </a:extLst>
+          </p:cNvPr>
+          <p:cNvPicPr>
+            <a:picLocks noChangeAspect="1"/>
+          </p:cNvPicPr>
+          <p:nvPr/>
+        </p:nvPicPr>
+        <p:blipFill>
+          <a:blip r:embed="rId2"/>
+          <a:stretch>
+            <a:fillRect/>
+          </a:stretch>
+        </p:blipFill>
+        <p:spPr>
+          <a:xfrm>
+            <a:off x="6184461" y="582363"/>
+            <a:ext cx="5178296" cy="5693274"/>
+          </a:xfrm>
+          <a:prstGeom prst="rect">
+            <a:avLst/>
+          </a:prstGeom>
+        </p:spPr>
+      </p:pic>
     </p:spTree>
     <p:extLst>
       <p:ext uri="{BB962C8B-B14F-4D97-AF65-F5344CB8AC3E}">
@@ -4755,7 +5258,10 @@
           <a:bodyPr/>
           <a:lstStyle/>
           <a:p>
-            <a:endParaRPr lang="hu-HU"/>
+            <a:r>
+              <a:rPr lang="hu-HU" dirty="0"/>
+              <a:t>Használt eszközök</a:t>
+            </a:r>
           </a:p>
         </p:txBody>
       </p:sp>
@@ -4780,7 +5286,46 @@
           <a:bodyPr/>
           <a:lstStyle/>
           <a:p>
-            <a:endParaRPr lang="hu-HU"/>
+            <a:r>
+              <a:rPr lang="hu-HU" dirty="0"/>
+              <a:t>Visual </a:t>
+            </a:r>
+            <a:r>
+              <a:rPr lang="hu-HU" dirty="0" err="1"/>
+              <a:t>Studio</a:t>
+            </a:r>
+            <a:r>
+              <a:rPr lang="hu-HU" dirty="0"/>
+              <a:t> </a:t>
+            </a:r>
+            <a:r>
+              <a:rPr lang="hu-HU" dirty="0" err="1"/>
+              <a:t>Code</a:t>
+            </a:r>
+            <a:endParaRPr lang="hu-HU" dirty="0"/>
+          </a:p>
+          <a:p>
+            <a:r>
+              <a:rPr lang="hu-HU" dirty="0"/>
+              <a:t>XAMPP (</a:t>
+            </a:r>
+            <a:r>
+              <a:rPr lang="hu-HU" dirty="0" err="1"/>
+              <a:t>MySQL</a:t>
+            </a:r>
+            <a:r>
+              <a:rPr lang="hu-HU" dirty="0"/>
+              <a:t>)</a:t>
+            </a:r>
+          </a:p>
+          <a:p>
+            <a:r>
+              <a:rPr lang="hu-HU" dirty="0"/>
+              <a:t>W3School</a:t>
+            </a:r>
+          </a:p>
+          <a:p>
+            <a:endParaRPr lang="hu-HU" dirty="0"/>
           </a:p>
         </p:txBody>
       </p:sp>
@@ -5520,7 +6065,7 @@
           <a:p>
             <a:r>
               <a:rPr lang="hu-HU" i="1" dirty="0"/>
-              <a:t>Kezdőötös</a:t>
+              <a:t>Kezdőötös: Cserék gombra kattintva vált a cserejátékosokra</a:t>
             </a:r>
           </a:p>
         </p:txBody>
@@ -5542,7 +6087,7 @@
           </p:nvPr>
         </p:nvPicPr>
         <p:blipFill>
-          <a:blip r:embed="rId2"/>
+          <a:blip r:embed="rId3"/>
           <a:stretch>
             <a:fillRect/>
           </a:stretch>
@@ -5580,41 +6125,43 @@
           <a:p>
             <a:r>
               <a:rPr lang="hu-HU" i="1" dirty="0"/>
-              <a:t>Cserék</a:t>
-            </a:r>
-          </a:p>
-        </p:txBody>
-      </p:sp>
-      <p:sp>
-        <p:nvSpPr>
-          <p:cNvPr id="8" name="Tartalom helye 7">
+              <a:t>Cserék: Kezdőötös gombra kattintva vált a kezdőjátékosokra</a:t>
+            </a:r>
+          </a:p>
+        </p:txBody>
+      </p:sp>
+      <p:pic>
+        <p:nvPicPr>
+          <p:cNvPr id="9" name="Tartalom helye 8">
             <a:extLst>
               <a:ext uri="{FF2B5EF4-FFF2-40B4-BE49-F238E27FC236}">
-                <a16:creationId xmlns:a16="http://schemas.microsoft.com/office/drawing/2014/main" id="{ED6C6B8D-57BC-4E6A-8228-E6695F40404B}"/>
+                <a16:creationId xmlns:a16="http://schemas.microsoft.com/office/drawing/2014/main" id="{BCD7F744-E131-4937-8FA6-D8EA14C9C226}"/>
               </a:ext>
             </a:extLst>
           </p:cNvPr>
-          <p:cNvSpPr>
-            <a:spLocks noGrp="1"/>
-          </p:cNvSpPr>
+          <p:cNvPicPr>
+            <a:picLocks noGrp="1" noChangeAspect="1"/>
+          </p:cNvPicPr>
           <p:nvPr>
             <p:ph sz="quarter" idx="4"/>
           </p:nvPr>
-        </p:nvSpPr>
-        <p:spPr>
-          <a:xfrm>
-            <a:off x="6666635" y="2851330"/>
-            <a:ext cx="3899798" cy="3717419"/>
-          </a:xfrm>
-        </p:spPr>
-        <p:txBody>
-          <a:bodyPr/>
-          <a:lstStyle/>
-          <a:p>
-            <a:endParaRPr lang="hu-HU" dirty="0"/>
-          </a:p>
-        </p:txBody>
-      </p:sp>
+        </p:nvPicPr>
+        <p:blipFill>
+          <a:blip r:embed="rId4"/>
+          <a:stretch>
+            <a:fillRect/>
+          </a:stretch>
+        </p:blipFill>
+        <p:spPr>
+          <a:xfrm>
+            <a:off x="7304301" y="2851329"/>
+            <a:ext cx="2624464" cy="3717925"/>
+          </a:xfrm>
+          <a:prstGeom prst="rect">
+            <a:avLst/>
+          </a:prstGeom>
+        </p:spPr>
+      </p:pic>
     </p:spTree>
     <p:extLst>
       <p:ext uri="{BB962C8B-B14F-4D97-AF65-F5344CB8AC3E}">
@@ -5661,40 +6208,55 @@
             <p:ph type="title"/>
           </p:nvPr>
         </p:nvSpPr>
-        <p:spPr/>
+        <p:spPr>
+          <a:xfrm>
+            <a:off x="1970321" y="2353146"/>
+            <a:ext cx="2664361" cy="601112"/>
+          </a:xfrm>
+        </p:spPr>
         <p:txBody>
           <a:bodyPr/>
           <a:lstStyle/>
           <a:p>
-            <a:endParaRPr lang="hu-HU"/>
-          </a:p>
-        </p:txBody>
-      </p:sp>
-      <p:sp>
-        <p:nvSpPr>
-          <p:cNvPr id="5" name="Tartalom helye 4">
+            <a:r>
+              <a:rPr lang="hu-HU" dirty="0"/>
+              <a:t>Közösség oldal</a:t>
+            </a:r>
+          </a:p>
+        </p:txBody>
+      </p:sp>
+      <p:pic>
+        <p:nvPicPr>
+          <p:cNvPr id="2" name="Tartalom helye 1">
             <a:extLst>
               <a:ext uri="{FF2B5EF4-FFF2-40B4-BE49-F238E27FC236}">
-                <a16:creationId xmlns:a16="http://schemas.microsoft.com/office/drawing/2014/main" id="{BAB67DFF-248D-4767-8A93-732DA41C960B}"/>
+                <a16:creationId xmlns:a16="http://schemas.microsoft.com/office/drawing/2014/main" id="{583D927D-268B-48E0-8E51-9EB809F6A12B}"/>
               </a:ext>
             </a:extLst>
           </p:cNvPr>
-          <p:cNvSpPr>
-            <a:spLocks noGrp="1"/>
-          </p:cNvSpPr>
+          <p:cNvPicPr>
+            <a:picLocks noGrp="1" noChangeAspect="1"/>
+          </p:cNvPicPr>
           <p:nvPr>
             <p:ph idx="1"/>
           </p:nvPr>
-        </p:nvSpPr>
-        <p:spPr/>
-        <p:txBody>
-          <a:bodyPr/>
-          <a:lstStyle/>
-          <a:p>
-            <a:endParaRPr lang="hu-HU"/>
-          </a:p>
-        </p:txBody>
-      </p:sp>
+        </p:nvPicPr>
+        <p:blipFill>
+          <a:blip r:embed="rId2"/>
+          <a:stretch>
+            <a:fillRect/>
+          </a:stretch>
+        </p:blipFill>
+        <p:spPr>
+          <a:xfrm>
+            <a:off x="4727989" y="1583147"/>
+            <a:ext cx="6497404" cy="3691706"/>
+          </a:xfrm>
+          <a:prstGeom prst="rect">
+            <a:avLst/>
+          </a:prstGeom>
+        </p:spPr>
+      </p:pic>
       <p:sp>
         <p:nvSpPr>
           <p:cNvPr id="6" name="Szöveg helye 5">
@@ -5711,12 +6273,20 @@
             <p:ph type="body" sz="half" idx="2"/>
           </p:nvPr>
         </p:nvSpPr>
-        <p:spPr/>
+        <p:spPr>
+          <a:xfrm>
+            <a:off x="1970321" y="2954258"/>
+            <a:ext cx="2664361" cy="3039052"/>
+          </a:xfrm>
+        </p:spPr>
         <p:txBody>
           <a:bodyPr/>
           <a:lstStyle/>
           <a:p>
-            <a:endParaRPr lang="hu-HU"/>
+            <a:r>
+              <a:rPr lang="hu-HU" dirty="0"/>
+              <a:t>Ez az oldal tartalmazza a chat szobát. Itt üzenhetnek egymásnak a regisztrált felhasználók.</a:t>
+            </a:r>
           </a:p>
         </p:txBody>
       </p:sp>
@@ -5766,12 +6336,20 @@
             <p:ph type="title"/>
           </p:nvPr>
         </p:nvSpPr>
-        <p:spPr/>
+        <p:spPr>
+          <a:xfrm>
+            <a:off x="2621140" y="1042546"/>
+            <a:ext cx="6047000" cy="1077229"/>
+          </a:xfrm>
+        </p:spPr>
         <p:txBody>
           <a:bodyPr/>
           <a:lstStyle/>
           <a:p>
-            <a:endParaRPr lang="hu-HU"/>
+            <a:r>
+              <a:rPr lang="hu-HU" b="1" u="sng" dirty="0"/>
+              <a:t>Footer tartalma</a:t>
+            </a:r>
           </a:p>
         </p:txBody>
       </p:sp>
@@ -5791,15 +6369,65 @@
             <p:ph idx="1"/>
           </p:nvPr>
         </p:nvSpPr>
-        <p:spPr/>
+        <p:spPr>
+          <a:xfrm>
+            <a:off x="2773599" y="2052116"/>
+            <a:ext cx="7796540" cy="3796314"/>
+          </a:xfrm>
+        </p:spPr>
         <p:txBody>
           <a:bodyPr/>
           <a:lstStyle/>
           <a:p>
-            <a:endParaRPr lang="hu-HU"/>
-          </a:p>
-        </p:txBody>
-      </p:sp>
+            <a:r>
+              <a:rPr lang="hu-HU" dirty="0"/>
+              <a:t>Az elvárt dolgokat tartalmazza mint a(z)…</a:t>
+            </a:r>
+          </a:p>
+          <a:p>
+            <a:r>
+              <a:rPr lang="hu-HU" dirty="0"/>
+              <a:t>Adatvédelmi nyilatkozat, Felhasználási feltételek, Kapcsolat</a:t>
+            </a:r>
+          </a:p>
+          <a:p>
+            <a:r>
+              <a:rPr lang="hu-HU" dirty="0"/>
+              <a:t>És közösségi média elérhetőségek</a:t>
+            </a:r>
+          </a:p>
+        </p:txBody>
+      </p:sp>
+      <p:pic>
+        <p:nvPicPr>
+          <p:cNvPr id="4" name="Kép 3">
+            <a:extLst>
+              <a:ext uri="{FF2B5EF4-FFF2-40B4-BE49-F238E27FC236}">
+                <a16:creationId xmlns:a16="http://schemas.microsoft.com/office/drawing/2014/main" id="{FDBA39B2-41D6-4DC9-A091-A4632ABF4D67}"/>
+              </a:ext>
+            </a:extLst>
+          </p:cNvPr>
+          <p:cNvPicPr>
+            <a:picLocks noChangeAspect="1"/>
+          </p:cNvPicPr>
+          <p:nvPr/>
+        </p:nvPicPr>
+        <p:blipFill>
+          <a:blip r:embed="rId2"/>
+          <a:stretch>
+            <a:fillRect/>
+          </a:stretch>
+        </p:blipFill>
+        <p:spPr>
+          <a:xfrm>
+            <a:off x="0" y="5848430"/>
+            <a:ext cx="12192000" cy="1009570"/>
+          </a:xfrm>
+          <a:prstGeom prst="rect">
+            <a:avLst/>
+          </a:prstGeom>
+        </p:spPr>
+      </p:pic>
     </p:spTree>
     <p:extLst>
       <p:ext uri="{BB962C8B-B14F-4D97-AF65-F5344CB8AC3E}">
@@ -5832,10 +6460,10 @@
       </p:grpSpPr>
       <p:sp>
         <p:nvSpPr>
-          <p:cNvPr id="2" name="Cím 1">
+          <p:cNvPr id="4" name="Cím 3">
             <a:extLst>
               <a:ext uri="{FF2B5EF4-FFF2-40B4-BE49-F238E27FC236}">
-                <a16:creationId xmlns:a16="http://schemas.microsoft.com/office/drawing/2014/main" id="{3308D45E-5D9F-410F-9B41-9B88175FF0F7}"/>
+                <a16:creationId xmlns:a16="http://schemas.microsoft.com/office/drawing/2014/main" id="{84A4C6F2-8FFC-4E2F-9720-DE43E777CE50}"/>
               </a:ext>
             </a:extLst>
           </p:cNvPr>
@@ -5846,37 +6474,359 @@
             <p:ph type="title"/>
           </p:nvPr>
         </p:nvSpPr>
-        <p:spPr/>
-        <p:txBody>
-          <a:bodyPr/>
-          <a:lstStyle/>
-          <a:p>
-            <a:endParaRPr lang="hu-HU"/>
-          </a:p>
-        </p:txBody>
-      </p:sp>
-      <p:sp>
-        <p:nvSpPr>
-          <p:cNvPr id="3" name="Tartalom helye 2">
+        <p:spPr>
+          <a:xfrm>
+            <a:off x="1175657" y="805817"/>
+            <a:ext cx="10217020" cy="1081705"/>
+          </a:xfrm>
+        </p:spPr>
+        <p:txBody>
+          <a:bodyPr>
+            <a:normAutofit/>
+          </a:bodyPr>
+          <a:lstStyle/>
+          <a:p>
+            <a:pPr algn="l"/>
+            <a:r>
+              <a:rPr lang="hu-HU" dirty="0"/>
+              <a:t>Adatvédelmi nyilatkozat, Felhasználási feltételek</a:t>
+            </a:r>
+            <a:br>
+              <a:rPr lang="hu-HU" dirty="0"/>
+            </a:br>
+            <a:endParaRPr lang="hu-HU" dirty="0"/>
+          </a:p>
+        </p:txBody>
+      </p:sp>
+      <p:pic>
+        <p:nvPicPr>
+          <p:cNvPr id="8" name="Tartalom helye 7">
             <a:extLst>
               <a:ext uri="{FF2B5EF4-FFF2-40B4-BE49-F238E27FC236}">
-                <a16:creationId xmlns:a16="http://schemas.microsoft.com/office/drawing/2014/main" id="{77342BF5-004F-4D6F-8232-F8732C819EB9}"/>
+                <a16:creationId xmlns:a16="http://schemas.microsoft.com/office/drawing/2014/main" id="{1C8B0BF4-4D8C-403B-B164-A317B3ADEC40}"/>
               </a:ext>
             </a:extLst>
           </p:cNvPr>
-          <p:cNvSpPr>
-            <a:spLocks noGrp="1"/>
-          </p:cNvSpPr>
-          <p:nvPr>
-            <p:ph idx="1"/>
-          </p:nvPr>
-        </p:nvSpPr>
-        <p:spPr/>
-        <p:txBody>
-          <a:bodyPr/>
-          <a:lstStyle/>
-          <a:p>
-            <a:endParaRPr lang="hu-HU"/>
+          <p:cNvPicPr>
+            <a:picLocks noGrp="1" noChangeAspect="1"/>
+          </p:cNvPicPr>
+          <p:nvPr>
+            <p:ph sz="half" idx="1"/>
+          </p:nvPr>
+        </p:nvPicPr>
+        <p:blipFill>
+          <a:blip r:embed="rId2"/>
+          <a:stretch>
+            <a:fillRect/>
+          </a:stretch>
+        </p:blipFill>
+        <p:spPr>
+          <a:xfrm>
+            <a:off x="1063689" y="2420477"/>
+            <a:ext cx="4948551" cy="4297563"/>
+          </a:xfrm>
+          <a:prstGeom prst="rect">
+            <a:avLst/>
+          </a:prstGeom>
+        </p:spPr>
+      </p:pic>
+      <p:pic>
+        <p:nvPicPr>
+          <p:cNvPr id="9" name="Tartalom helye 8">
+            <a:extLst>
+              <a:ext uri="{FF2B5EF4-FFF2-40B4-BE49-F238E27FC236}">
+                <a16:creationId xmlns:a16="http://schemas.microsoft.com/office/drawing/2014/main" id="{762C9D75-332E-49B1-AD17-FC39758006A0}"/>
+              </a:ext>
+            </a:extLst>
+          </p:cNvPr>
+          <p:cNvPicPr>
+            <a:picLocks noGrp="1" noChangeAspect="1"/>
+          </p:cNvPicPr>
+          <p:nvPr>
+            <p:ph sz="half" idx="2"/>
+          </p:nvPr>
+        </p:nvPicPr>
+        <p:blipFill>
+          <a:blip r:embed="rId3"/>
+          <a:stretch>
+            <a:fillRect/>
+          </a:stretch>
+        </p:blipFill>
+        <p:spPr>
+          <a:xfrm>
+            <a:off x="6095999" y="2420477"/>
+            <a:ext cx="5157077" cy="4297563"/>
+          </a:xfrm>
+          <a:prstGeom prst="rect">
+            <a:avLst/>
+          </a:prstGeom>
+        </p:spPr>
+      </p:pic>
+      <p:sp>
+        <p:nvSpPr>
+          <p:cNvPr id="7" name="Tartalom helye 5">
+            <a:extLst>
+              <a:ext uri="{FF2B5EF4-FFF2-40B4-BE49-F238E27FC236}">
+                <a16:creationId xmlns:a16="http://schemas.microsoft.com/office/drawing/2014/main" id="{5D2F42BA-BF2A-4136-8868-B1677EFFEAFB}"/>
+              </a:ext>
+            </a:extLst>
+          </p:cNvPr>
+          <p:cNvSpPr txBox="1">
+            <a:spLocks/>
+          </p:cNvSpPr>
+          <p:nvPr/>
+        </p:nvSpPr>
+        <p:spPr>
+          <a:xfrm>
+            <a:off x="10330083" y="2860171"/>
+            <a:ext cx="3894222" cy="3997829"/>
+          </a:xfrm>
+          <a:prstGeom prst="rect">
+            <a:avLst/>
+          </a:prstGeom>
+        </p:spPr>
+        <p:txBody>
+          <a:bodyPr vert="horz" lIns="91440" tIns="45720" rIns="91440" bIns="45720" rtlCol="0">
+            <a:normAutofit/>
+          </a:bodyPr>
+          <a:lstStyle>
+            <a:lvl1pPr marL="344488" indent="-344488" algn="l" defTabSz="914400" rtl="0" eaLnBrk="1" latinLnBrk="0" hangingPunct="1">
+              <a:lnSpc>
+                <a:spcPct val="120000"/>
+              </a:lnSpc>
+              <a:spcBef>
+                <a:spcPts val="1000"/>
+              </a:spcBef>
+              <a:spcAft>
+                <a:spcPts val="600"/>
+              </a:spcAft>
+              <a:buClr>
+                <a:schemeClr val="accent6"/>
+              </a:buClr>
+              <a:buSzPct val="90000"/>
+              <a:buFont typeface="Wingdings" panose="05000000000000000000" pitchFamily="2" charset="2"/>
+              <a:buChar char="§"/>
+              <a:defRPr sz="2000" kern="1200">
+                <a:solidFill>
+                  <a:schemeClr val="tx1"/>
+                </a:solidFill>
+                <a:effectLst/>
+                <a:latin typeface="+mn-lt"/>
+                <a:ea typeface="+mn-ea"/>
+                <a:cs typeface="+mn-cs"/>
+              </a:defRPr>
+            </a:lvl1pPr>
+            <a:lvl2pPr marL="795338" indent="-338138" algn="l" defTabSz="914400" rtl="0" eaLnBrk="1" latinLnBrk="0" hangingPunct="1">
+              <a:lnSpc>
+                <a:spcPct val="120000"/>
+              </a:lnSpc>
+              <a:spcBef>
+                <a:spcPts val="500"/>
+              </a:spcBef>
+              <a:spcAft>
+                <a:spcPts val="600"/>
+              </a:spcAft>
+              <a:buClr>
+                <a:schemeClr val="accent6"/>
+              </a:buClr>
+              <a:buSzPct val="90000"/>
+              <a:buFont typeface="Wingdings" panose="05000000000000000000" pitchFamily="2" charset="2"/>
+              <a:buChar char="§"/>
+              <a:defRPr sz="1800" kern="1200">
+                <a:solidFill>
+                  <a:schemeClr val="tx1"/>
+                </a:solidFill>
+                <a:effectLst/>
+                <a:latin typeface="+mn-lt"/>
+                <a:ea typeface="+mn-ea"/>
+                <a:cs typeface="+mn-cs"/>
+              </a:defRPr>
+            </a:lvl2pPr>
+            <a:lvl3pPr marL="1258888" indent="-344488" algn="l" defTabSz="914400" rtl="0" eaLnBrk="1" latinLnBrk="0" hangingPunct="1">
+              <a:lnSpc>
+                <a:spcPct val="120000"/>
+              </a:lnSpc>
+              <a:spcBef>
+                <a:spcPts val="500"/>
+              </a:spcBef>
+              <a:spcAft>
+                <a:spcPts val="600"/>
+              </a:spcAft>
+              <a:buClr>
+                <a:schemeClr val="accent6"/>
+              </a:buClr>
+              <a:buSzPct val="90000"/>
+              <a:buFont typeface="Wingdings" panose="05000000000000000000" pitchFamily="2" charset="2"/>
+              <a:buChar char="§"/>
+              <a:defRPr sz="1600" kern="1200">
+                <a:solidFill>
+                  <a:schemeClr val="tx1"/>
+                </a:solidFill>
+                <a:effectLst/>
+                <a:latin typeface="+mn-lt"/>
+                <a:ea typeface="+mn-ea"/>
+                <a:cs typeface="+mn-cs"/>
+              </a:defRPr>
+            </a:lvl3pPr>
+            <a:lvl4pPr marL="1709738" indent="-338138" algn="l" defTabSz="914400" rtl="0" eaLnBrk="1" latinLnBrk="0" hangingPunct="1">
+              <a:lnSpc>
+                <a:spcPct val="120000"/>
+              </a:lnSpc>
+              <a:spcBef>
+                <a:spcPts val="500"/>
+              </a:spcBef>
+              <a:spcAft>
+                <a:spcPts val="600"/>
+              </a:spcAft>
+              <a:buClr>
+                <a:schemeClr val="accent6"/>
+              </a:buClr>
+              <a:buSzPct val="90000"/>
+              <a:buFont typeface="Wingdings" panose="05000000000000000000" pitchFamily="2" charset="2"/>
+              <a:buChar char="§"/>
+              <a:defRPr sz="1400" kern="1200">
+                <a:solidFill>
+                  <a:schemeClr val="tx1"/>
+                </a:solidFill>
+                <a:effectLst/>
+                <a:latin typeface="+mn-lt"/>
+                <a:ea typeface="+mn-ea"/>
+                <a:cs typeface="+mn-cs"/>
+              </a:defRPr>
+            </a:lvl4pPr>
+            <a:lvl5pPr marL="2173288" indent="-344488" algn="l" defTabSz="914400" rtl="0" eaLnBrk="1" latinLnBrk="0" hangingPunct="1">
+              <a:lnSpc>
+                <a:spcPct val="120000"/>
+              </a:lnSpc>
+              <a:spcBef>
+                <a:spcPts val="500"/>
+              </a:spcBef>
+              <a:spcAft>
+                <a:spcPts val="600"/>
+              </a:spcAft>
+              <a:buClr>
+                <a:schemeClr val="accent6"/>
+              </a:buClr>
+              <a:buSzPct val="90000"/>
+              <a:buFont typeface="Wingdings" panose="05000000000000000000" pitchFamily="2" charset="2"/>
+              <a:buChar char="§"/>
+              <a:defRPr sz="1200" kern="1200">
+                <a:solidFill>
+                  <a:schemeClr val="tx1"/>
+                </a:solidFill>
+                <a:effectLst/>
+                <a:latin typeface="+mn-lt"/>
+                <a:ea typeface="+mn-ea"/>
+                <a:cs typeface="+mn-cs"/>
+              </a:defRPr>
+            </a:lvl5pPr>
+            <a:lvl6pPr marL="2642616" indent="-338328" algn="l" defTabSz="914400" rtl="0" eaLnBrk="1" latinLnBrk="0" hangingPunct="1">
+              <a:lnSpc>
+                <a:spcPct val="120000"/>
+              </a:lnSpc>
+              <a:spcBef>
+                <a:spcPts val="500"/>
+              </a:spcBef>
+              <a:spcAft>
+                <a:spcPts val="600"/>
+              </a:spcAft>
+              <a:buClr>
+                <a:schemeClr val="accent6"/>
+              </a:buClr>
+              <a:buSzPct val="90000"/>
+              <a:buFont typeface="Wingdings" panose="05000000000000000000" pitchFamily="2" charset="2"/>
+              <a:buChar char="§"/>
+              <a:defRPr sz="1200" kern="1200" baseline="0">
+                <a:solidFill>
+                  <a:schemeClr val="tx1"/>
+                </a:solidFill>
+                <a:effectLst/>
+                <a:latin typeface="+mn-lt"/>
+                <a:ea typeface="+mn-ea"/>
+                <a:cs typeface="+mn-cs"/>
+              </a:defRPr>
+            </a:lvl6pPr>
+            <a:lvl7pPr marL="3108960" indent="-338328" algn="l" defTabSz="914400" rtl="0" eaLnBrk="1" latinLnBrk="0" hangingPunct="1">
+              <a:lnSpc>
+                <a:spcPct val="120000"/>
+              </a:lnSpc>
+              <a:spcBef>
+                <a:spcPts val="500"/>
+              </a:spcBef>
+              <a:spcAft>
+                <a:spcPts val="600"/>
+              </a:spcAft>
+              <a:buClr>
+                <a:schemeClr val="accent6"/>
+              </a:buClr>
+              <a:buSzPct val="90000"/>
+              <a:buFont typeface="Wingdings" panose="05000000000000000000" pitchFamily="2" charset="2"/>
+              <a:buChar char="§"/>
+              <a:defRPr sz="1200" kern="1200" baseline="0">
+                <a:solidFill>
+                  <a:schemeClr val="tx1"/>
+                </a:solidFill>
+                <a:effectLst/>
+                <a:latin typeface="+mn-lt"/>
+                <a:ea typeface="+mn-ea"/>
+                <a:cs typeface="+mn-cs"/>
+              </a:defRPr>
+            </a:lvl7pPr>
+            <a:lvl8pPr marL="3575304" indent="-338328" algn="l" defTabSz="914400" rtl="0" eaLnBrk="1" latinLnBrk="0" hangingPunct="1">
+              <a:lnSpc>
+                <a:spcPct val="120000"/>
+              </a:lnSpc>
+              <a:spcBef>
+                <a:spcPts val="500"/>
+              </a:spcBef>
+              <a:spcAft>
+                <a:spcPts val="600"/>
+              </a:spcAft>
+              <a:buClr>
+                <a:schemeClr val="accent6"/>
+              </a:buClr>
+              <a:buSzPct val="90000"/>
+              <a:buFont typeface="Wingdings" panose="05000000000000000000" pitchFamily="2" charset="2"/>
+              <a:buChar char="§"/>
+              <a:defRPr sz="1200" kern="1200" baseline="0">
+                <a:solidFill>
+                  <a:schemeClr val="tx1"/>
+                </a:solidFill>
+                <a:effectLst/>
+                <a:latin typeface="+mn-lt"/>
+                <a:ea typeface="+mn-ea"/>
+                <a:cs typeface="+mn-cs"/>
+              </a:defRPr>
+            </a:lvl8pPr>
+            <a:lvl9pPr marL="4041648" indent="-338328" algn="l" defTabSz="914400" rtl="0" eaLnBrk="1" latinLnBrk="0" hangingPunct="1">
+              <a:lnSpc>
+                <a:spcPct val="120000"/>
+              </a:lnSpc>
+              <a:spcBef>
+                <a:spcPts val="500"/>
+              </a:spcBef>
+              <a:spcAft>
+                <a:spcPts val="600"/>
+              </a:spcAft>
+              <a:buClr>
+                <a:schemeClr val="accent6"/>
+              </a:buClr>
+              <a:buSzPct val="90000"/>
+              <a:buFont typeface="Wingdings" panose="05000000000000000000" pitchFamily="2" charset="2"/>
+              <a:buChar char="§"/>
+              <a:defRPr sz="1200" kern="1200" baseline="0">
+                <a:solidFill>
+                  <a:schemeClr val="tx1"/>
+                </a:solidFill>
+                <a:effectLst/>
+                <a:latin typeface="+mn-lt"/>
+                <a:ea typeface="+mn-ea"/>
+                <a:cs typeface="+mn-cs"/>
+              </a:defRPr>
+            </a:lvl9pPr>
+          </a:lstStyle>
+          <a:p>
+            <a:endParaRPr lang="hu-HU" dirty="0"/>
           </a:p>
         </p:txBody>
       </p:sp>
@@ -6112,4 +7062,299 @@
     </a:ext>
   </a:extLst>
 </a:theme>
+</file>
+
+<file path=ppt/theme/theme2.xml><?xml version="1.0" encoding="utf-8"?>
+<a:theme xmlns:a="http://schemas.openxmlformats.org/drawingml/2006/main" name="Office-téma">
+  <a:themeElements>
+    <a:clrScheme name="Office">
+      <a:dk1>
+        <a:sysClr val="windowText" lastClr="000000"/>
+      </a:dk1>
+      <a:lt1>
+        <a:sysClr val="window" lastClr="FFFFFF"/>
+      </a:lt1>
+      <a:dk2>
+        <a:srgbClr val="44546A"/>
+      </a:dk2>
+      <a:lt2>
+        <a:srgbClr val="E7E6E6"/>
+      </a:lt2>
+      <a:accent1>
+        <a:srgbClr val="4472C4"/>
+      </a:accent1>
+      <a:accent2>
+        <a:srgbClr val="ED7D31"/>
+      </a:accent2>
+      <a:accent3>
+        <a:srgbClr val="A5A5A5"/>
+      </a:accent3>
+      <a:accent4>
+        <a:srgbClr val="FFC000"/>
+      </a:accent4>
+      <a:accent5>
+        <a:srgbClr val="5B9BD5"/>
+      </a:accent5>
+      <a:accent6>
+        <a:srgbClr val="70AD47"/>
+      </a:accent6>
+      <a:hlink>
+        <a:srgbClr val="0563C1"/>
+      </a:hlink>
+      <a:folHlink>
+        <a:srgbClr val="954F72"/>
+      </a:folHlink>
+    </a:clrScheme>
+    <a:fontScheme name="Office">
+      <a:majorFont>
+        <a:latin typeface="Calibri Light" panose="020F0302020204030204"/>
+        <a:ea typeface=""/>
+        <a:cs typeface=""/>
+        <a:font script="Jpan" typeface="游ゴシック Light"/>
+        <a:font script="Hang" typeface="맑은 고딕"/>
+        <a:font script="Hans" typeface="等线 Light"/>
+        <a:font script="Hant" typeface="新細明體"/>
+        <a:font script="Arab" typeface="Times New Roman"/>
+        <a:font script="Hebr" typeface="Times New Roman"/>
+        <a:font script="Thai" typeface="Angsana New"/>
+        <a:font script="Ethi" typeface="Nyala"/>
+        <a:font script="Beng" typeface="Vrinda"/>
+        <a:font script="Gujr" typeface="Shruti"/>
+        <a:font script="Khmr" typeface="MoolBoran"/>
+        <a:font script="Knda" typeface="Tunga"/>
+        <a:font script="Guru" typeface="Raavi"/>
+        <a:font script="Cans" typeface="Euphemia"/>
+        <a:font script="Cher" typeface="Plantagenet Cherokee"/>
+        <a:font script="Yiii" typeface="Microsoft Yi Baiti"/>
+        <a:font script="Tibt" typeface="Microsoft Himalaya"/>
+        <a:font script="Thaa" typeface="MV Boli"/>
+        <a:font script="Deva" typeface="Mangal"/>
+        <a:font script="Telu" typeface="Gautami"/>
+        <a:font script="Taml" typeface="Latha"/>
+        <a:font script="Syrc" typeface="Estrangelo Edessa"/>
+        <a:font script="Orya" typeface="Kalinga"/>
+        <a:font script="Mlym" typeface="Kartika"/>
+        <a:font script="Laoo" typeface="DokChampa"/>
+        <a:font script="Sinh" typeface="Iskoola Pota"/>
+        <a:font script="Mong" typeface="Mongolian Baiti"/>
+        <a:font script="Viet" typeface="Times New Roman"/>
+        <a:font script="Uigh" typeface="Microsoft Uighur"/>
+        <a:font script="Geor" typeface="Sylfaen"/>
+        <a:font script="Armn" typeface="Arial"/>
+        <a:font script="Bugi" typeface="Leelawadee UI"/>
+        <a:font script="Bopo" typeface="Microsoft JhengHei"/>
+        <a:font script="Java" typeface="Javanese Text"/>
+        <a:font script="Lisu" typeface="Segoe UI"/>
+        <a:font script="Mymr" typeface="Myanmar Text"/>
+        <a:font script="Nkoo" typeface="Ebrima"/>
+        <a:font script="Olck" typeface="Nirmala UI"/>
+        <a:font script="Osma" typeface="Ebrima"/>
+        <a:font script="Phag" typeface="Phagspa"/>
+        <a:font script="Syrn" typeface="Estrangelo Edessa"/>
+        <a:font script="Syrj" typeface="Estrangelo Edessa"/>
+        <a:font script="Syre" typeface="Estrangelo Edessa"/>
+        <a:font script="Sora" typeface="Nirmala UI"/>
+        <a:font script="Tale" typeface="Microsoft Tai Le"/>
+        <a:font script="Talu" typeface="Microsoft New Tai Lue"/>
+        <a:font script="Tfng" typeface="Ebrima"/>
+      </a:majorFont>
+      <a:minorFont>
+        <a:latin typeface="Calibri" panose="020F0502020204030204"/>
+        <a:ea typeface=""/>
+        <a:cs typeface=""/>
+        <a:font script="Jpan" typeface="游ゴシック"/>
+        <a:font script="Hang" typeface="맑은 고딕"/>
+        <a:font script="Hans" typeface="等线"/>
+        <a:font script="Hant" typeface="新細明體"/>
+        <a:font script="Arab" typeface="Arial"/>
+        <a:font script="Hebr" typeface="Arial"/>
+        <a:font script="Thai" typeface="Cordia New"/>
+        <a:font script="Ethi" typeface="Nyala"/>
+        <a:font script="Beng" typeface="Vrinda"/>
+        <a:font script="Gujr" typeface="Shruti"/>
+        <a:font script="Khmr" typeface="DaunPenh"/>
+        <a:font script="Knda" typeface="Tunga"/>
+        <a:font script="Guru" typeface="Raavi"/>
+        <a:font script="Cans" typeface="Euphemia"/>
+        <a:font script="Cher" typeface="Plantagenet Cherokee"/>
+        <a:font script="Yiii" typeface="Microsoft Yi Baiti"/>
+        <a:font script="Tibt" typeface="Microsoft Himalaya"/>
+        <a:font script="Thaa" typeface="MV Boli"/>
+        <a:font script="Deva" typeface="Mangal"/>
+        <a:font script="Telu" typeface="Gautami"/>
+        <a:font script="Taml" typeface="Latha"/>
+        <a:font script="Syrc" typeface="Estrangelo Edessa"/>
+        <a:font script="Orya" typeface="Kalinga"/>
+        <a:font script="Mlym" typeface="Kartika"/>
+        <a:font script="Laoo" typeface="DokChampa"/>
+        <a:font script="Sinh" typeface="Iskoola Pota"/>
+        <a:font script="Mong" typeface="Mongolian Baiti"/>
+        <a:font script="Viet" typeface="Arial"/>
+        <a:font script="Uigh" typeface="Microsoft Uighur"/>
+        <a:font script="Geor" typeface="Sylfaen"/>
+        <a:font script="Armn" typeface="Arial"/>
+        <a:font script="Bugi" typeface="Leelawadee UI"/>
+        <a:font script="Bopo" typeface="Microsoft JhengHei"/>
+        <a:font script="Java" typeface="Javanese Text"/>
+        <a:font script="Lisu" typeface="Segoe UI"/>
+        <a:font script="Mymr" typeface="Myanmar Text"/>
+        <a:font script="Nkoo" typeface="Ebrima"/>
+        <a:font script="Olck" typeface="Nirmala UI"/>
+        <a:font script="Osma" typeface="Ebrima"/>
+        <a:font script="Phag" typeface="Phagspa"/>
+        <a:font script="Syrn" typeface="Estrangelo Edessa"/>
+        <a:font script="Syrj" typeface="Estrangelo Edessa"/>
+        <a:font script="Syre" typeface="Estrangelo Edessa"/>
+        <a:font script="Sora" typeface="Nirmala UI"/>
+        <a:font script="Tale" typeface="Microsoft Tai Le"/>
+        <a:font script="Talu" typeface="Microsoft New Tai Lue"/>
+        <a:font script="Tfng" typeface="Ebrima"/>
+      </a:minorFont>
+    </a:fontScheme>
+    <a:fmtScheme name="Office">
+      <a:fillStyleLst>
+        <a:solidFill>
+          <a:schemeClr val="phClr"/>
+        </a:solidFill>
+        <a:gradFill rotWithShape="1">
+          <a:gsLst>
+            <a:gs pos="0">
+              <a:schemeClr val="phClr">
+                <a:lumMod val="110000"/>
+                <a:satMod val="105000"/>
+                <a:tint val="67000"/>
+              </a:schemeClr>
+            </a:gs>
+            <a:gs pos="50000">
+              <a:schemeClr val="phClr">
+                <a:lumMod val="105000"/>
+                <a:satMod val="103000"/>
+                <a:tint val="73000"/>
+              </a:schemeClr>
+            </a:gs>
+            <a:gs pos="100000">
+              <a:schemeClr val="phClr">
+                <a:lumMod val="105000"/>
+                <a:satMod val="109000"/>
+                <a:tint val="81000"/>
+              </a:schemeClr>
+            </a:gs>
+          </a:gsLst>
+          <a:lin ang="5400000" scaled="0"/>
+        </a:gradFill>
+        <a:gradFill rotWithShape="1">
+          <a:gsLst>
+            <a:gs pos="0">
+              <a:schemeClr val="phClr">
+                <a:satMod val="103000"/>
+                <a:lumMod val="102000"/>
+                <a:tint val="94000"/>
+              </a:schemeClr>
+            </a:gs>
+            <a:gs pos="50000">
+              <a:schemeClr val="phClr">
+                <a:satMod val="110000"/>
+                <a:lumMod val="100000"/>
+                <a:shade val="100000"/>
+              </a:schemeClr>
+            </a:gs>
+            <a:gs pos="100000">
+              <a:schemeClr val="phClr">
+                <a:lumMod val="99000"/>
+                <a:satMod val="120000"/>
+                <a:shade val="78000"/>
+              </a:schemeClr>
+            </a:gs>
+          </a:gsLst>
+          <a:lin ang="5400000" scaled="0"/>
+        </a:gradFill>
+      </a:fillStyleLst>
+      <a:lnStyleLst>
+        <a:ln w="6350" cap="flat" cmpd="sng" algn="ctr">
+          <a:solidFill>
+            <a:schemeClr val="phClr"/>
+          </a:solidFill>
+          <a:prstDash val="solid"/>
+          <a:miter lim="800000"/>
+        </a:ln>
+        <a:ln w="12700" cap="flat" cmpd="sng" algn="ctr">
+          <a:solidFill>
+            <a:schemeClr val="phClr"/>
+          </a:solidFill>
+          <a:prstDash val="solid"/>
+          <a:miter lim="800000"/>
+        </a:ln>
+        <a:ln w="19050" cap="flat" cmpd="sng" algn="ctr">
+          <a:solidFill>
+            <a:schemeClr val="phClr"/>
+          </a:solidFill>
+          <a:prstDash val="solid"/>
+          <a:miter lim="800000"/>
+        </a:ln>
+      </a:lnStyleLst>
+      <a:effectStyleLst>
+        <a:effectStyle>
+          <a:effectLst/>
+        </a:effectStyle>
+        <a:effectStyle>
+          <a:effectLst/>
+        </a:effectStyle>
+        <a:effectStyle>
+          <a:effectLst>
+            <a:outerShdw blurRad="57150" dist="19050" dir="5400000" algn="ctr" rotWithShape="0">
+              <a:srgbClr val="000000">
+                <a:alpha val="63000"/>
+              </a:srgbClr>
+            </a:outerShdw>
+          </a:effectLst>
+        </a:effectStyle>
+      </a:effectStyleLst>
+      <a:bgFillStyleLst>
+        <a:solidFill>
+          <a:schemeClr val="phClr"/>
+        </a:solidFill>
+        <a:solidFill>
+          <a:schemeClr val="phClr">
+            <a:tint val="95000"/>
+            <a:satMod val="170000"/>
+          </a:schemeClr>
+        </a:solidFill>
+        <a:gradFill rotWithShape="1">
+          <a:gsLst>
+            <a:gs pos="0">
+              <a:schemeClr val="phClr">
+                <a:tint val="93000"/>
+                <a:satMod val="150000"/>
+                <a:shade val="98000"/>
+                <a:lumMod val="102000"/>
+              </a:schemeClr>
+            </a:gs>
+            <a:gs pos="50000">
+              <a:schemeClr val="phClr">
+                <a:tint val="98000"/>
+                <a:satMod val="130000"/>
+                <a:shade val="90000"/>
+                <a:lumMod val="103000"/>
+              </a:schemeClr>
+            </a:gs>
+            <a:gs pos="100000">
+              <a:schemeClr val="phClr">
+                <a:shade val="63000"/>
+                <a:satMod val="120000"/>
+              </a:schemeClr>
+            </a:gs>
+          </a:gsLst>
+          <a:lin ang="5400000" scaled="0"/>
+        </a:gradFill>
+      </a:bgFillStyleLst>
+    </a:fmtScheme>
+  </a:themeElements>
+  <a:objectDefaults/>
+  <a:extraClrSchemeLst/>
+  <a:extLst>
+    <a:ext uri="{05A4C25C-085E-4340-85A3-A5531E510DB2}">
+      <thm15:themeFamily xmlns:thm15="http://schemas.microsoft.com/office/thememl/2012/main" name="Office Theme" id="{62F939B6-93AF-4DB8-9C6B-D6C7DFDC589F}" vid="{4A3C46E8-61CC-4603-A589-7422A47A8E4A}"/>
+    </a:ext>
+  </a:extLst>
+</a:theme>
 </file>
--- a/Vizsga.pptx
+++ b/Vizsga.pptx
@@ -5096,6 +5096,18 @@
   <p:clrMapOvr>
     <a:masterClrMapping/>
   </p:clrMapOvr>
+  <mc:AlternateContent xmlns:mc="http://schemas.openxmlformats.org/markup-compatibility/2006">
+    <mc:Choice xmlns:p159="http://schemas.microsoft.com/office/powerpoint/2015/09/main" Requires="p159">
+      <p:transition xmlns:p14="http://schemas.microsoft.com/office/powerpoint/2010/main" spd="slow" p14:dur="2000">
+        <p159:morph option="byObject"/>
+      </p:transition>
+    </mc:Choice>
+    <mc:Fallback>
+      <p:transition spd="slow">
+        <p:fade/>
+      </p:transition>
+    </mc:Fallback>
+  </mc:AlternateContent>
 </p:sld>
 </file>
 
@@ -5217,6 +5229,18 @@
   <p:clrMapOvr>
     <a:masterClrMapping/>
   </p:clrMapOvr>
+  <mc:AlternateContent xmlns:mc="http://schemas.openxmlformats.org/markup-compatibility/2006">
+    <mc:Choice xmlns:p14="http://schemas.microsoft.com/office/powerpoint/2010/main" Requires="p14">
+      <p:transition spd="slow" p14:dur="1250">
+        <p14:flip dir="r"/>
+      </p:transition>
+    </mc:Choice>
+    <mc:Fallback>
+      <p:transition spd="slow">
+        <p:fade/>
+      </p:transition>
+    </mc:Fallback>
+  </mc:AlternateContent>
 </p:sld>
 </file>
 
@@ -5339,6 +5363,18 @@
   <p:clrMapOvr>
     <a:masterClrMapping/>
   </p:clrMapOvr>
+  <mc:AlternateContent xmlns:mc="http://schemas.openxmlformats.org/markup-compatibility/2006">
+    <mc:Choice xmlns:p14="http://schemas.microsoft.com/office/powerpoint/2010/main" Requires="p14">
+      <p:transition spd="slow" p14:dur="1300">
+        <p14:pan dir="u"/>
+      </p:transition>
+    </mc:Choice>
+    <mc:Fallback>
+      <p:transition spd="slow">
+        <p:fade/>
+      </p:transition>
+    </mc:Fallback>
+  </mc:AlternateContent>
 </p:sld>
 </file>
 
@@ -5405,6 +5441,18 @@
   <p:clrMapOvr>
     <a:masterClrMapping/>
   </p:clrMapOvr>
+  <mc:AlternateContent xmlns:mc="http://schemas.openxmlformats.org/markup-compatibility/2006">
+    <mc:Choice xmlns:p15="http://schemas.microsoft.com/office/powerpoint/2012/main" Requires="p15">
+      <p:transition xmlns:p14="http://schemas.microsoft.com/office/powerpoint/2010/main" spd="slow" p14:dur="2000">
+        <p15:prstTrans prst="fallOver"/>
+      </p:transition>
+    </mc:Choice>
+    <mc:Fallback>
+      <p:transition spd="slow">
+        <p:fade/>
+      </p:transition>
+    </mc:Fallback>
+  </mc:AlternateContent>
 </p:sld>
 </file>
 
@@ -5530,6 +5578,9 @@
   <p:clrMapOvr>
     <a:masterClrMapping/>
   </p:clrMapOvr>
+  <p:transition spd="med">
+    <p:pull/>
+  </p:transition>
 </p:sld>
 </file>
 
@@ -5693,6 +5744,9 @@
   <p:clrMapOvr>
     <a:masterClrMapping/>
   </p:clrMapOvr>
+  <p:transition spd="slow">
+    <p:cover/>
+  </p:transition>
 </p:sld>
 </file>
 
@@ -5841,6 +5895,18 @@
   <p:clrMapOvr>
     <a:masterClrMapping/>
   </p:clrMapOvr>
+  <mc:AlternateContent xmlns:mc="http://schemas.openxmlformats.org/markup-compatibility/2006">
+    <mc:Choice xmlns:p14="http://schemas.microsoft.com/office/powerpoint/2010/main" Requires="p14">
+      <p:transition spd="slow" p14:dur="800">
+        <p14:flythrough/>
+      </p:transition>
+    </mc:Choice>
+    <mc:Fallback>
+      <p:transition spd="slow">
+        <p:fade/>
+      </p:transition>
+    </mc:Fallback>
+  </mc:AlternateContent>
 </p:sld>
 </file>
 
@@ -5989,6 +6055,18 @@
   <p:clrMapOvr>
     <a:masterClrMapping/>
   </p:clrMapOvr>
+  <mc:AlternateContent xmlns:mc="http://schemas.openxmlformats.org/markup-compatibility/2006">
+    <mc:Choice xmlns:p15="http://schemas.microsoft.com/office/powerpoint/2012/main" Requires="p15">
+      <p:transition xmlns:p14="http://schemas.microsoft.com/office/powerpoint/2010/main" spd="slow" p14:dur="2000">
+        <p15:prstTrans prst="drape"/>
+      </p:transition>
+    </mc:Choice>
+    <mc:Fallback>
+      <p:transition spd="slow">
+        <p:fade/>
+      </p:transition>
+    </mc:Fallback>
+  </mc:AlternateContent>
 </p:sld>
 </file>
 
@@ -6172,6 +6250,18 @@
   <p:clrMapOvr>
     <a:masterClrMapping/>
   </p:clrMapOvr>
+  <mc:AlternateContent xmlns:mc="http://schemas.openxmlformats.org/markup-compatibility/2006">
+    <mc:Choice xmlns:p14="http://schemas.microsoft.com/office/powerpoint/2010/main" Requires="p14">
+      <p:transition spd="slow" p14:dur="1600">
+        <p14:gallery dir="l"/>
+      </p:transition>
+    </mc:Choice>
+    <mc:Fallback>
+      <p:transition spd="slow">
+        <p:fade/>
+      </p:transition>
+    </mc:Fallback>
+  </mc:AlternateContent>
 </p:sld>
 </file>
 
@@ -6300,6 +6390,18 @@
   <p:clrMapOvr>
     <a:masterClrMapping/>
   </p:clrMapOvr>
+  <mc:AlternateContent xmlns:mc="http://schemas.openxmlformats.org/markup-compatibility/2006">
+    <mc:Choice xmlns:p14="http://schemas.microsoft.com/office/powerpoint/2010/main" Requires="p14">
+      <p:transition spd="slow" p14:dur="800">
+        <p14:flythrough/>
+      </p:transition>
+    </mc:Choice>
+    <mc:Fallback>
+      <p:transition spd="slow">
+        <p:fade/>
+      </p:transition>
+    </mc:Fallback>
+  </mc:AlternateContent>
 </p:sld>
 </file>
 
@@ -6438,6 +6540,9 @@
   <p:clrMapOvr>
     <a:masterClrMapping/>
   </p:clrMapOvr>
+  <p:transition spd="slow">
+    <p:comb/>
+  </p:transition>
 </p:sld>
 </file>
 
@@ -6840,6 +6945,18 @@
   <p:clrMapOvr>
     <a:masterClrMapping/>
   </p:clrMapOvr>
+  <mc:AlternateContent xmlns:mc="http://schemas.openxmlformats.org/markup-compatibility/2006">
+    <mc:Choice xmlns:p14="http://schemas.microsoft.com/office/powerpoint/2010/main" Requires="p14">
+      <p:transition spd="slow" p14:dur="3000">
+        <p14:shred/>
+      </p:transition>
+    </mc:Choice>
+    <mc:Fallback>
+      <p:transition spd="slow">
+        <p:fade/>
+      </p:transition>
+    </mc:Fallback>
+  </mc:AlternateContent>
 </p:sld>
 </file>
 
